--- a/dokumen/PPT_SIDANG [Autosaved].pptx
+++ b/dokumen/PPT_SIDANG [Autosaved].pptx
@@ -6317,7 +6317,7 @@
       <dgm:spPr/>
     </dgm:pt>
     <dgm:pt modelId="{A31EECE8-AC46-4957-9BD6-E30E12167C00}" type="pres">
-      <dgm:prSet presAssocID="{F74982BC-A06A-491E-8348-C796EEE793BE}" presName="parTx" presStyleLbl="revTx" presStyleIdx="0" presStyleCnt="3" custScaleX="161773">
+      <dgm:prSet presAssocID="{F74982BC-A06A-491E-8348-C796EEE793BE}" presName="parTx" presStyleLbl="revTx" presStyleIdx="0" presStyleCnt="3" custScaleX="211231">
         <dgm:presLayoutVars>
           <dgm:chMax val="1"/>
           <dgm:bulletEnabled val="1"/>
@@ -6350,7 +6350,7 @@
       <dgm:spPr/>
     </dgm:pt>
     <dgm:pt modelId="{067EE0A2-C477-49C5-A2EF-2CC97C639B89}" type="pres">
-      <dgm:prSet presAssocID="{66B38BC0-876A-4408-8B56-DEBCB386A009}" presName="parTx" presStyleLbl="revTx" presStyleIdx="1" presStyleCnt="3" custScaleX="161840">
+      <dgm:prSet presAssocID="{66B38BC0-876A-4408-8B56-DEBCB386A009}" presName="parTx" presStyleLbl="revTx" presStyleIdx="1" presStyleCnt="3" custScaleX="213399">
         <dgm:presLayoutVars>
           <dgm:chMax val="1"/>
           <dgm:bulletEnabled val="1"/>
@@ -6383,7 +6383,7 @@
       <dgm:spPr/>
     </dgm:pt>
     <dgm:pt modelId="{73709AC8-4EF2-4130-B488-1266E5831FCF}" type="pres">
-      <dgm:prSet presAssocID="{EC4517FA-8107-4940-B482-E5D1C201A0FC}" presName="parTx" presStyleLbl="revTx" presStyleIdx="2" presStyleCnt="3" custScaleX="161840">
+      <dgm:prSet presAssocID="{EC4517FA-8107-4940-B482-E5D1C201A0FC}" presName="parTx" presStyleLbl="revTx" presStyleIdx="2" presStyleCnt="3" custScaleX="212601">
         <dgm:presLayoutVars>
           <dgm:chMax val="1"/>
           <dgm:bulletEnabled val="1"/>
@@ -6791,8 +6791,8 @@
       </dsp:nvSpPr>
       <dsp:spPr>
         <a:xfrm>
-          <a:off x="73" y="3186"/>
-          <a:ext cx="2883112" cy="1325362"/>
+          <a:off x="319" y="355480"/>
+          <a:ext cx="3399554" cy="935550"/>
         </a:xfrm>
         <a:prstGeom prst="rect">
           <a:avLst/>
@@ -6849,8 +6849,8 @@
         </a:p>
       </dsp:txBody>
       <dsp:txXfrm>
-        <a:off x="73" y="3186"/>
-        <a:ext cx="2883112" cy="1325362"/>
+        <a:off x="319" y="355480"/>
+        <a:ext cx="3399554" cy="935550"/>
       </dsp:txXfrm>
     </dsp:sp>
     <dsp:sp modelId="{A38D4000-C97F-48D7-B28C-BE794C2D5D2C}">
@@ -6860,8 +6860,8 @@
       </dsp:nvSpPr>
       <dsp:spPr>
         <a:xfrm>
-          <a:off x="2883185" y="3186"/>
-          <a:ext cx="356439" cy="1325362"/>
+          <a:off x="3399874" y="355480"/>
+          <a:ext cx="321880" cy="935550"/>
         </a:xfrm>
         <a:prstGeom prst="leftBrace">
           <a:avLst>
@@ -6905,8 +6905,8 @@
       </dsp:nvSpPr>
       <dsp:spPr>
         <a:xfrm>
-          <a:off x="3382200" y="3186"/>
-          <a:ext cx="4847573" cy="1325362"/>
+          <a:off x="3850506" y="355480"/>
+          <a:ext cx="4377571" cy="935550"/>
         </a:xfrm>
         <a:prstGeom prst="rect">
           <a:avLst/>
@@ -6948,12 +6948,12 @@
         </a:fontRef>
       </dsp:style>
       <dsp:txBody>
-        <a:bodyPr spcFirstLastPara="0" vert="horz" wrap="square" lIns="129540" tIns="129540" rIns="129540" bIns="129540" numCol="1" spcCol="1270" anchor="ctr" anchorCtr="0">
+        <a:bodyPr spcFirstLastPara="0" vert="horz" wrap="square" lIns="137160" tIns="137160" rIns="137160" bIns="137160" numCol="1" spcCol="1270" anchor="ctr" anchorCtr="0">
           <a:noAutofit/>
         </a:bodyPr>
         <a:lstStyle/>
         <a:p>
-          <a:pPr marL="285750" lvl="1" indent="-285750" algn="l" defTabSz="1511300">
+          <a:pPr marL="285750" lvl="1" indent="-285750" algn="l" defTabSz="1600200">
             <a:lnSpc>
               <a:spcPct val="90000"/>
             </a:lnSpc>
@@ -6966,15 +6966,15 @@
             <a:buChar char="•"/>
           </a:pPr>
           <a:r>
-            <a:rPr lang="en-US" sz="3400" kern="1200" dirty="0"/>
+            <a:rPr lang="en-US" sz="3600" kern="1200" dirty="0"/>
             <a:t>PHP, MySQL, Laravel</a:t>
           </a:r>
-          <a:endParaRPr lang="en-ID" sz="3400" kern="1200" dirty="0"/>
+          <a:endParaRPr lang="en-ID" sz="3600" kern="1200" dirty="0"/>
         </a:p>
       </dsp:txBody>
       <dsp:txXfrm>
-        <a:off x="3382200" y="3186"/>
-        <a:ext cx="4847573" cy="1325362"/>
+        <a:off x="3850506" y="355480"/>
+        <a:ext cx="4377571" cy="935550"/>
       </dsp:txXfrm>
     </dsp:sp>
     <dsp:sp modelId="{067EE0A2-C477-49C5-A2EF-2CC97C639B89}">
@@ -6984,8 +6984,8 @@
       </dsp:nvSpPr>
       <dsp:spPr>
         <a:xfrm>
-          <a:off x="73" y="1450949"/>
-          <a:ext cx="2881054" cy="1136025"/>
+          <a:off x="319" y="1420630"/>
+          <a:ext cx="3417295" cy="1202850"/>
         </a:xfrm>
         <a:prstGeom prst="rect">
           <a:avLst/>
@@ -7009,12 +7009,12 @@
         <a:fontRef idx="minor"/>
       </dsp:style>
       <dsp:txBody>
-        <a:bodyPr spcFirstLastPara="0" vert="horz" wrap="square" lIns="241808" tIns="86360" rIns="241808" bIns="86360" numCol="1" spcCol="1270" anchor="ctr" anchorCtr="0">
+        <a:bodyPr spcFirstLastPara="0" vert="horz" wrap="square" lIns="256032" tIns="91440" rIns="256032" bIns="91440" numCol="1" spcCol="1270" anchor="ctr" anchorCtr="0">
           <a:noAutofit/>
         </a:bodyPr>
         <a:lstStyle/>
         <a:p>
-          <a:pPr marL="0" lvl="0" indent="0" algn="r" defTabSz="1511300">
+          <a:pPr marL="0" lvl="0" indent="0" algn="r" defTabSz="1600200">
             <a:lnSpc>
               <a:spcPct val="90000"/>
             </a:lnSpc>
@@ -7027,19 +7027,19 @@
             <a:buNone/>
           </a:pPr>
           <a:r>
-            <a:rPr lang="en-US" sz="3400" kern="1200" dirty="0" err="1"/>
+            <a:rPr lang="en-US" sz="3600" kern="1200" dirty="0" err="1"/>
             <a:t>Enkripsi</a:t>
           </a:r>
           <a:r>
-            <a:rPr lang="en-US" sz="3400" kern="1200" dirty="0"/>
+            <a:rPr lang="en-US" sz="3600" kern="1200" dirty="0"/>
             <a:t> AES-256</a:t>
           </a:r>
-          <a:endParaRPr lang="en-ID" sz="3400" kern="1200" dirty="0"/>
+          <a:endParaRPr lang="en-ID" sz="3600" kern="1200" dirty="0"/>
         </a:p>
       </dsp:txBody>
       <dsp:txXfrm>
-        <a:off x="73" y="1450949"/>
-        <a:ext cx="2881054" cy="1136025"/>
+        <a:off x="319" y="1420630"/>
+        <a:ext cx="3417295" cy="1202850"/>
       </dsp:txXfrm>
     </dsp:sp>
     <dsp:sp modelId="{60139A37-B11E-4E3F-9E61-86A8C276EF21}">
@@ -7049,8 +7049,8 @@
       </dsp:nvSpPr>
       <dsp:spPr>
         <a:xfrm>
-          <a:off x="2881128" y="1450949"/>
-          <a:ext cx="356037" cy="1136025"/>
+          <a:off x="3417615" y="1420630"/>
+          <a:ext cx="320272" cy="1202850"/>
         </a:xfrm>
         <a:prstGeom prst="leftBrace">
           <a:avLst>
@@ -7094,8 +7094,8 @@
       </dsp:nvSpPr>
       <dsp:spPr>
         <a:xfrm>
-          <a:off x="3379580" y="1450949"/>
-          <a:ext cx="4842108" cy="1136025"/>
+          <a:off x="3865997" y="1420630"/>
+          <a:ext cx="4355711" cy="1202850"/>
         </a:xfrm>
         <a:prstGeom prst="rect">
           <a:avLst/>
@@ -7137,12 +7137,12 @@
         </a:fontRef>
       </dsp:style>
       <dsp:txBody>
-        <a:bodyPr spcFirstLastPara="0" vert="horz" wrap="square" lIns="129540" tIns="129540" rIns="129540" bIns="129540" numCol="1" spcCol="1270" anchor="ctr" anchorCtr="0">
+        <a:bodyPr spcFirstLastPara="0" vert="horz" wrap="square" lIns="137160" tIns="137160" rIns="137160" bIns="137160" numCol="1" spcCol="1270" anchor="ctr" anchorCtr="0">
           <a:noAutofit/>
         </a:bodyPr>
         <a:lstStyle/>
         <a:p>
-          <a:pPr marL="285750" lvl="1" indent="-285750" algn="l" defTabSz="1511300">
+          <a:pPr marL="285750" lvl="1" indent="-285750" algn="l" defTabSz="1600200">
             <a:lnSpc>
               <a:spcPct val="90000"/>
             </a:lnSpc>
@@ -7155,15 +7155,15 @@
             <a:buChar char="•"/>
           </a:pPr>
           <a:r>
-            <a:rPr lang="en-US" sz="3400" kern="1200" dirty="0"/>
+            <a:rPr lang="en-US" sz="3600" kern="1200" dirty="0"/>
             <a:t>AES-256 CBC</a:t>
           </a:r>
-          <a:endParaRPr lang="en-ID" sz="3400" kern="1200" dirty="0"/>
+          <a:endParaRPr lang="en-ID" sz="3600" kern="1200" dirty="0"/>
         </a:p>
       </dsp:txBody>
       <dsp:txXfrm>
-        <a:off x="3379580" y="1450949"/>
-        <a:ext cx="4842108" cy="1136025"/>
+        <a:off x="3865997" y="1420630"/>
+        <a:ext cx="4355711" cy="1202850"/>
       </dsp:txXfrm>
     </dsp:sp>
     <dsp:sp modelId="{73709AC8-4EF2-4130-B488-1266E5831FCF}">
@@ -7173,8 +7173,8 @@
       </dsp:nvSpPr>
       <dsp:spPr>
         <a:xfrm>
-          <a:off x="73" y="2709374"/>
-          <a:ext cx="2881054" cy="1598850"/>
+          <a:off x="319" y="2753080"/>
+          <a:ext cx="3413060" cy="1202850"/>
         </a:xfrm>
         <a:prstGeom prst="rect">
           <a:avLst/>
@@ -7198,12 +7198,12 @@
         <a:fontRef idx="minor"/>
       </dsp:style>
       <dsp:txBody>
-        <a:bodyPr spcFirstLastPara="0" vert="horz" wrap="square" lIns="241808" tIns="86360" rIns="241808" bIns="86360" numCol="1" spcCol="1270" anchor="ctr" anchorCtr="0">
+        <a:bodyPr spcFirstLastPara="0" vert="horz" wrap="square" lIns="256032" tIns="91440" rIns="256032" bIns="91440" numCol="1" spcCol="1270" anchor="ctr" anchorCtr="0">
           <a:noAutofit/>
         </a:bodyPr>
         <a:lstStyle/>
         <a:p>
-          <a:pPr marL="0" lvl="0" indent="0" algn="r" defTabSz="1511300">
+          <a:pPr marL="0" lvl="0" indent="0" algn="r" defTabSz="1600200">
             <a:lnSpc>
               <a:spcPct val="90000"/>
             </a:lnSpc>
@@ -7216,23 +7216,23 @@
             <a:buNone/>
           </a:pPr>
           <a:r>
-            <a:rPr lang="en-US" sz="3400" kern="1200" dirty="0"/>
+            <a:rPr lang="en-US" sz="3600" kern="1200" dirty="0"/>
             <a:t>Script </a:t>
           </a:r>
           <a:r>
-            <a:rPr lang="en-US" sz="3400" kern="1200" dirty="0" err="1"/>
+            <a:rPr lang="en-US" sz="3600" kern="1200" dirty="0" err="1"/>
             <a:t>Verifikasi</a:t>
           </a:r>
           <a:r>
-            <a:rPr lang="en-US" sz="3400" kern="1200" dirty="0"/>
+            <a:rPr lang="en-US" sz="3600" kern="1200" dirty="0"/>
             <a:t> &amp; Recovery</a:t>
           </a:r>
-          <a:endParaRPr lang="en-ID" sz="3400" kern="1200" dirty="0"/>
+          <a:endParaRPr lang="en-ID" sz="3600" kern="1200" dirty="0"/>
         </a:p>
       </dsp:txBody>
       <dsp:txXfrm>
-        <a:off x="73" y="2709374"/>
-        <a:ext cx="2881054" cy="1598850"/>
+        <a:off x="319" y="2753080"/>
+        <a:ext cx="3413060" cy="1202850"/>
       </dsp:txXfrm>
     </dsp:sp>
     <dsp:sp modelId="{546ACCBD-4974-4DD4-BB83-C5D220107CE7}">
@@ -7242,8 +7242,8 @@
       </dsp:nvSpPr>
       <dsp:spPr>
         <a:xfrm>
-          <a:off x="2881128" y="2709374"/>
-          <a:ext cx="356037" cy="1598850"/>
+          <a:off x="3413379" y="2753080"/>
+          <a:ext cx="321076" cy="1202850"/>
         </a:xfrm>
         <a:prstGeom prst="leftBrace">
           <a:avLst>
@@ -7287,8 +7287,8 @@
       </dsp:nvSpPr>
       <dsp:spPr>
         <a:xfrm>
-          <a:off x="3379580" y="2709374"/>
-          <a:ext cx="4842108" cy="1598850"/>
+          <a:off x="3862886" y="2753080"/>
+          <a:ext cx="4366641" cy="1202850"/>
         </a:xfrm>
         <a:prstGeom prst="rect">
           <a:avLst/>
@@ -7330,12 +7330,12 @@
         </a:fontRef>
       </dsp:style>
       <dsp:txBody>
-        <a:bodyPr spcFirstLastPara="0" vert="horz" wrap="square" lIns="129540" tIns="129540" rIns="129540" bIns="129540" numCol="1" spcCol="1270" anchor="ctr" anchorCtr="0">
+        <a:bodyPr spcFirstLastPara="0" vert="horz" wrap="square" lIns="137160" tIns="137160" rIns="137160" bIns="137160" numCol="1" spcCol="1270" anchor="ctr" anchorCtr="0">
           <a:noAutofit/>
         </a:bodyPr>
         <a:lstStyle/>
         <a:p>
-          <a:pPr marL="285750" lvl="1" indent="-285750" algn="l" defTabSz="1511300">
+          <a:pPr marL="285750" lvl="1" indent="-285750" algn="l" defTabSz="1600200">
             <a:lnSpc>
               <a:spcPct val="90000"/>
             </a:lnSpc>
@@ -7348,15 +7348,15 @@
             <a:buChar char="•"/>
           </a:pPr>
           <a:r>
-            <a:rPr lang="en-US" sz="3400" kern="1200" dirty="0"/>
+            <a:rPr lang="en-US" sz="3600" kern="1200" dirty="0"/>
             <a:t>Python</a:t>
           </a:r>
-          <a:endParaRPr lang="en-ID" sz="3400" kern="1200" dirty="0"/>
+          <a:endParaRPr lang="en-ID" sz="3600" kern="1200" dirty="0"/>
         </a:p>
       </dsp:txBody>
       <dsp:txXfrm>
-        <a:off x="3379580" y="2709374"/>
-        <a:ext cx="4842108" cy="1598850"/>
+        <a:off x="3862886" y="2753080"/>
+        <a:ext cx="4366641" cy="1202850"/>
       </dsp:txXfrm>
     </dsp:sp>
   </dsp:spTree>
@@ -11518,7 +11518,7 @@
           <a:p>
             <a:fld id="{3F004F85-1731-4D90-8733-9AAB78339E08}" type="datetimeFigureOut">
               <a:rPr lang="en-US" smtClean="0"/>
-              <a:t>7/27/2019</a:t>
+              <a:t>7/28/2019</a:t>
             </a:fld>
             <a:endParaRPr lang="en-US"/>
           </a:p>
@@ -11829,865 +11829,6 @@
           <a:bodyPr/>
           <a:lstStyle/>
           <a:p>
-            <a:pPr marL="0" marR="0" lvl="0" indent="0" algn="l" defTabSz="914400" rtl="0" eaLnBrk="1" fontAlgn="auto" latinLnBrk="0" hangingPunct="1">
-              <a:lnSpc>
-                <a:spcPct val="100000"/>
-              </a:lnSpc>
-              <a:spcBef>
-                <a:spcPts val="0"/>
-              </a:spcBef>
-              <a:spcAft>
-                <a:spcPts val="0"/>
-              </a:spcAft>
-              <a:buClrTx/>
-              <a:buSzTx/>
-              <a:buFontTx/>
-              <a:buNone/>
-              <a:tabLst/>
-              <a:defRPr/>
-            </a:pPr>
-            <a:r>
-              <a:rPr lang="en-US" sz="1200" b="1" dirty="0" err="1">
-                <a:latin typeface="Tw Cen MT" panose="020B0602020104020603" pitchFamily="34" charset="0"/>
-              </a:rPr>
-              <a:t>Crowfunding</a:t>
-            </a:r>
-            <a:r>
-              <a:rPr lang="en-US" sz="1200" b="1" dirty="0">
-                <a:latin typeface="Tw Cen MT" panose="020B0602020104020603" pitchFamily="34" charset="0"/>
-              </a:rPr>
-              <a:t> online </a:t>
-            </a:r>
-            <a:r>
-              <a:rPr lang="en-US" sz="1200" dirty="0" err="1">
-                <a:latin typeface="Tw Cen MT" panose="020B0602020104020603" pitchFamily="34" charset="0"/>
-              </a:rPr>
-              <a:t>merupakan</a:t>
-            </a:r>
-            <a:r>
-              <a:rPr lang="en-US" sz="1200" dirty="0">
-                <a:latin typeface="Tw Cen MT" panose="020B0602020104020603" pitchFamily="34" charset="0"/>
-              </a:rPr>
-              <a:t> platform </a:t>
-            </a:r>
-            <a:r>
-              <a:rPr lang="en-US" sz="1200" dirty="0" err="1">
-                <a:latin typeface="Tw Cen MT" panose="020B0602020104020603" pitchFamily="34" charset="0"/>
-              </a:rPr>
-              <a:t>untuk</a:t>
-            </a:r>
-            <a:r>
-              <a:rPr lang="en-US" sz="1200" dirty="0">
-                <a:latin typeface="Tw Cen MT" panose="020B0602020104020603" pitchFamily="34" charset="0"/>
-              </a:rPr>
-              <a:t> </a:t>
-            </a:r>
-            <a:r>
-              <a:rPr lang="en-US" sz="1200" dirty="0" err="1">
-                <a:latin typeface="Tw Cen MT" panose="020B0602020104020603" pitchFamily="34" charset="0"/>
-              </a:rPr>
-              <a:t>melakukan</a:t>
-            </a:r>
-            <a:r>
-              <a:rPr lang="en-US" sz="1200" dirty="0">
-                <a:latin typeface="Tw Cen MT" panose="020B0602020104020603" pitchFamily="34" charset="0"/>
-              </a:rPr>
-              <a:t> </a:t>
-            </a:r>
-            <a:r>
-              <a:rPr lang="en-US" sz="1200" dirty="0" err="1">
-                <a:latin typeface="Tw Cen MT" panose="020B0602020104020603" pitchFamily="34" charset="0"/>
-              </a:rPr>
-              <a:t>penggalangan</a:t>
-            </a:r>
-            <a:r>
-              <a:rPr lang="en-US" sz="1200" dirty="0">
-                <a:latin typeface="Tw Cen MT" panose="020B0602020104020603" pitchFamily="34" charset="0"/>
-              </a:rPr>
-              <a:t> dana </a:t>
-            </a:r>
-            <a:r>
-              <a:rPr lang="en-US" sz="1200" dirty="0" err="1">
-                <a:latin typeface="Tw Cen MT" panose="020B0602020104020603" pitchFamily="34" charset="0"/>
-              </a:rPr>
-              <a:t>melalui</a:t>
-            </a:r>
-            <a:r>
-              <a:rPr lang="en-US" sz="1200" dirty="0">
-                <a:latin typeface="Tw Cen MT" panose="020B0602020104020603" pitchFamily="34" charset="0"/>
-              </a:rPr>
-              <a:t> media </a:t>
-            </a:r>
-            <a:r>
-              <a:rPr lang="en-US" sz="1200" dirty="0" err="1">
-                <a:latin typeface="Tw Cen MT" panose="020B0602020104020603" pitchFamily="34" charset="0"/>
-              </a:rPr>
-              <a:t>publikasi</a:t>
-            </a:r>
-            <a:r>
-              <a:rPr lang="en-US" sz="1200" dirty="0">
-                <a:latin typeface="Tw Cen MT" panose="020B0602020104020603" pitchFamily="34" charset="0"/>
-              </a:rPr>
-              <a:t> online </a:t>
-            </a:r>
-            <a:r>
-              <a:rPr lang="en-US" sz="1200" dirty="0" err="1">
-                <a:latin typeface="Tw Cen MT" panose="020B0602020104020603" pitchFamily="34" charset="0"/>
-              </a:rPr>
-              <a:t>seperti</a:t>
-            </a:r>
-            <a:r>
-              <a:rPr lang="en-US" sz="1200" dirty="0">
-                <a:latin typeface="Tw Cen MT" panose="020B0602020104020603" pitchFamily="34" charset="0"/>
-              </a:rPr>
-              <a:t> website yang </a:t>
-            </a:r>
-            <a:r>
-              <a:rPr lang="en-US" sz="1200" dirty="0" err="1">
-                <a:latin typeface="Tw Cen MT" panose="020B0602020104020603" pitchFamily="34" charset="0"/>
-              </a:rPr>
-              <a:t>popularitasnya</a:t>
-            </a:r>
-            <a:r>
-              <a:rPr lang="en-US" sz="1200" dirty="0">
-                <a:latin typeface="Tw Cen MT" panose="020B0602020104020603" pitchFamily="34" charset="0"/>
-              </a:rPr>
-              <a:t> </a:t>
-            </a:r>
-            <a:r>
-              <a:rPr lang="en-US" sz="1200" dirty="0" err="1">
-                <a:latin typeface="Tw Cen MT" panose="020B0602020104020603" pitchFamily="34" charset="0"/>
-              </a:rPr>
-              <a:t>sedang</a:t>
-            </a:r>
-            <a:r>
-              <a:rPr lang="en-US" sz="1200" dirty="0">
-                <a:latin typeface="Tw Cen MT" panose="020B0602020104020603" pitchFamily="34" charset="0"/>
-              </a:rPr>
-              <a:t> naik </a:t>
-            </a:r>
-            <a:r>
-              <a:rPr lang="en-US" sz="1200" dirty="0" err="1">
-                <a:latin typeface="Tw Cen MT" panose="020B0602020104020603" pitchFamily="34" charset="0"/>
-              </a:rPr>
-              <a:t>daun</a:t>
-            </a:r>
-            <a:r>
-              <a:rPr lang="en-US" sz="1200" dirty="0">
-                <a:latin typeface="Tw Cen MT" panose="020B0602020104020603" pitchFamily="34" charset="0"/>
-              </a:rPr>
-              <a:t> </a:t>
-            </a:r>
-            <a:r>
-              <a:rPr lang="en-US" sz="1200" dirty="0" err="1">
-                <a:latin typeface="Tw Cen MT" panose="020B0602020104020603" pitchFamily="34" charset="0"/>
-              </a:rPr>
-              <a:t>akhir</a:t>
-            </a:r>
-            <a:r>
-              <a:rPr lang="en-US" sz="1200" dirty="0">
-                <a:latin typeface="Tw Cen MT" panose="020B0602020104020603" pitchFamily="34" charset="0"/>
-              </a:rPr>
-              <a:t> </a:t>
-            </a:r>
-            <a:r>
-              <a:rPr lang="en-US" sz="1200" dirty="0" err="1">
-                <a:latin typeface="Tw Cen MT" panose="020B0602020104020603" pitchFamily="34" charset="0"/>
-              </a:rPr>
-              <a:t>akhir</a:t>
-            </a:r>
-            <a:r>
-              <a:rPr lang="en-US" sz="1200" dirty="0">
-                <a:latin typeface="Tw Cen MT" panose="020B0602020104020603" pitchFamily="34" charset="0"/>
-              </a:rPr>
-              <a:t> </a:t>
-            </a:r>
-            <a:r>
-              <a:rPr lang="en-US" sz="1200" dirty="0" err="1">
-                <a:latin typeface="Tw Cen MT" panose="020B0602020104020603" pitchFamily="34" charset="0"/>
-              </a:rPr>
-              <a:t>ini</a:t>
-            </a:r>
-            <a:endParaRPr lang="en-US" sz="1200" dirty="0">
-              <a:latin typeface="Tw Cen MT" panose="020B0602020104020603" pitchFamily="34" charset="0"/>
-            </a:endParaRPr>
-          </a:p>
-          <a:p>
-            <a:pPr marL="0" marR="0" lvl="0" indent="0" algn="l" defTabSz="914400" rtl="0" eaLnBrk="1" fontAlgn="auto" latinLnBrk="0" hangingPunct="1">
-              <a:lnSpc>
-                <a:spcPct val="100000"/>
-              </a:lnSpc>
-              <a:spcBef>
-                <a:spcPts val="0"/>
-              </a:spcBef>
-              <a:spcAft>
-                <a:spcPts val="0"/>
-              </a:spcAft>
-              <a:buClrTx/>
-              <a:buSzTx/>
-              <a:buFontTx/>
-              <a:buNone/>
-              <a:tabLst/>
-              <a:defRPr/>
-            </a:pPr>
-            <a:r>
-              <a:rPr lang="en-US" sz="1200" b="1" dirty="0">
-                <a:latin typeface="Tw Cen MT" panose="020B0602020104020603" pitchFamily="34" charset="0"/>
-              </a:rPr>
-              <a:t>Crowdfunding</a:t>
-            </a:r>
-            <a:r>
-              <a:rPr lang="en-US" sz="1200" dirty="0">
-                <a:latin typeface="Tw Cen MT" panose="020B0602020104020603" pitchFamily="34" charset="0"/>
-              </a:rPr>
-              <a:t> </a:t>
-            </a:r>
-            <a:r>
-              <a:rPr lang="en-US" sz="1200" dirty="0" err="1">
-                <a:latin typeface="Tw Cen MT" panose="020B0602020104020603" pitchFamily="34" charset="0"/>
-              </a:rPr>
-              <a:t>memiliki</a:t>
-            </a:r>
-            <a:r>
-              <a:rPr lang="en-US" sz="1200" dirty="0">
-                <a:latin typeface="Tw Cen MT" panose="020B0602020104020603" pitchFamily="34" charset="0"/>
-              </a:rPr>
-              <a:t> </a:t>
-            </a:r>
-            <a:r>
-              <a:rPr lang="en-US" sz="1200" dirty="0" err="1">
-                <a:latin typeface="Tw Cen MT" panose="020B0602020104020603" pitchFamily="34" charset="0"/>
-              </a:rPr>
-              <a:t>banyak</a:t>
-            </a:r>
-            <a:r>
-              <a:rPr lang="en-US" sz="1200" dirty="0">
-                <a:latin typeface="Tw Cen MT" panose="020B0602020104020603" pitchFamily="34" charset="0"/>
-              </a:rPr>
-              <a:t> </a:t>
-            </a:r>
-            <a:r>
-              <a:rPr lang="en-US" sz="1200" dirty="0" err="1">
-                <a:latin typeface="Tw Cen MT" panose="020B0602020104020603" pitchFamily="34" charset="0"/>
-              </a:rPr>
-              <a:t>jenis</a:t>
-            </a:r>
-            <a:r>
-              <a:rPr lang="en-US" sz="1200" dirty="0">
-                <a:latin typeface="Tw Cen MT" panose="020B0602020104020603" pitchFamily="34" charset="0"/>
-              </a:rPr>
-              <a:t> salah </a:t>
-            </a:r>
-            <a:r>
-              <a:rPr lang="en-US" sz="1200" dirty="0" err="1">
-                <a:latin typeface="Tw Cen MT" panose="020B0602020104020603" pitchFamily="34" charset="0"/>
-              </a:rPr>
-              <a:t>satunya</a:t>
-            </a:r>
-            <a:r>
-              <a:rPr lang="en-US" sz="1200" dirty="0">
-                <a:latin typeface="Tw Cen MT" panose="020B0602020104020603" pitchFamily="34" charset="0"/>
-              </a:rPr>
-              <a:t> yang </a:t>
-            </a:r>
-            <a:r>
-              <a:rPr lang="en-US" sz="1200" dirty="0" err="1">
-                <a:latin typeface="Tw Cen MT" panose="020B0602020104020603" pitchFamily="34" charset="0"/>
-              </a:rPr>
-              <a:t>bersifat</a:t>
-            </a:r>
-            <a:r>
-              <a:rPr lang="en-US" sz="1200" dirty="0">
-                <a:latin typeface="Tw Cen MT" panose="020B0602020104020603" pitchFamily="34" charset="0"/>
-              </a:rPr>
-              <a:t> </a:t>
-            </a:r>
-            <a:r>
-              <a:rPr lang="en-US" sz="1200" b="1" dirty="0">
-                <a:latin typeface="Tw Cen MT" panose="020B0602020104020603" pitchFamily="34" charset="0"/>
-              </a:rPr>
-              <a:t>Syariah. </a:t>
-            </a:r>
-            <a:r>
-              <a:rPr lang="en-US" sz="1200" b="1" dirty="0" err="1">
-                <a:latin typeface="Tw Cen MT" panose="020B0602020104020603" pitchFamily="34" charset="0"/>
-              </a:rPr>
-              <a:t>Crowfunding</a:t>
-            </a:r>
-            <a:r>
-              <a:rPr lang="en-US" sz="1200" b="1" dirty="0">
-                <a:latin typeface="Tw Cen MT" panose="020B0602020104020603" pitchFamily="34" charset="0"/>
-              </a:rPr>
-              <a:t> </a:t>
-            </a:r>
-            <a:r>
-              <a:rPr lang="en-US" sz="1200" b="1" dirty="0" err="1">
-                <a:latin typeface="Tw Cen MT" panose="020B0602020104020603" pitchFamily="34" charset="0"/>
-              </a:rPr>
-              <a:t>syariah</a:t>
-            </a:r>
-            <a:r>
-              <a:rPr lang="en-US" sz="1200" b="1" dirty="0">
-                <a:latin typeface="Tw Cen MT" panose="020B0602020104020603" pitchFamily="34" charset="0"/>
-              </a:rPr>
-              <a:t> </a:t>
-            </a:r>
-            <a:r>
-              <a:rPr lang="en-US" sz="1200" dirty="0" err="1">
-                <a:latin typeface="Tw Cen MT" panose="020B0602020104020603" pitchFamily="34" charset="0"/>
-              </a:rPr>
-              <a:t>merupakan</a:t>
-            </a:r>
-            <a:r>
-              <a:rPr lang="en-US" sz="1200" dirty="0">
-                <a:latin typeface="Tw Cen MT" panose="020B0602020104020603" pitchFamily="34" charset="0"/>
-              </a:rPr>
-              <a:t> </a:t>
-            </a:r>
-            <a:r>
-              <a:rPr lang="en-US" sz="1200" dirty="0" err="1">
-                <a:latin typeface="Tw Cen MT" panose="020B0602020104020603" pitchFamily="34" charset="0"/>
-              </a:rPr>
-              <a:t>penggalangan</a:t>
-            </a:r>
-            <a:r>
-              <a:rPr lang="en-US" sz="1200" dirty="0">
-                <a:latin typeface="Tw Cen MT" panose="020B0602020104020603" pitchFamily="34" charset="0"/>
-              </a:rPr>
-              <a:t> dana yang </a:t>
-            </a:r>
-            <a:r>
-              <a:rPr lang="en-US" sz="1200" dirty="0" err="1">
-                <a:latin typeface="Tw Cen MT" panose="020B0602020104020603" pitchFamily="34" charset="0"/>
-              </a:rPr>
-              <a:t>sistem</a:t>
-            </a:r>
-            <a:r>
-              <a:rPr lang="en-US" sz="1200" dirty="0">
-                <a:latin typeface="Tw Cen MT" panose="020B0602020104020603" pitchFamily="34" charset="0"/>
-              </a:rPr>
-              <a:t> </a:t>
-            </a:r>
-            <a:r>
-              <a:rPr lang="en-US" sz="1200" dirty="0" err="1">
-                <a:latin typeface="Tw Cen MT" panose="020B0602020104020603" pitchFamily="34" charset="0"/>
-              </a:rPr>
-              <a:t>bagi</a:t>
-            </a:r>
-            <a:r>
-              <a:rPr lang="en-US" sz="1200" dirty="0">
-                <a:latin typeface="Tw Cen MT" panose="020B0602020104020603" pitchFamily="34" charset="0"/>
-              </a:rPr>
-              <a:t> </a:t>
-            </a:r>
-            <a:r>
-              <a:rPr lang="en-US" sz="1200" dirty="0" err="1">
-                <a:latin typeface="Tw Cen MT" panose="020B0602020104020603" pitchFamily="34" charset="0"/>
-              </a:rPr>
-              <a:t>hasilnya</a:t>
-            </a:r>
-            <a:r>
-              <a:rPr lang="en-US" sz="1200" dirty="0">
-                <a:latin typeface="Tw Cen MT" panose="020B0602020104020603" pitchFamily="34" charset="0"/>
-              </a:rPr>
-              <a:t> </a:t>
-            </a:r>
-            <a:r>
-              <a:rPr lang="en-US" sz="1200" dirty="0" err="1">
-                <a:latin typeface="Tw Cen MT" panose="020B0602020104020603" pitchFamily="34" charset="0"/>
-              </a:rPr>
-              <a:t>ditentukan</a:t>
-            </a:r>
-            <a:r>
-              <a:rPr lang="en-US" sz="1200" dirty="0">
-                <a:latin typeface="Tw Cen MT" panose="020B0602020104020603" pitchFamily="34" charset="0"/>
-              </a:rPr>
-              <a:t> oleh </a:t>
-            </a:r>
-            <a:r>
-              <a:rPr lang="en-US" sz="1200" dirty="0" err="1">
-                <a:latin typeface="Tw Cen MT" panose="020B0602020104020603" pitchFamily="34" charset="0"/>
-              </a:rPr>
-              <a:t>nisbah</a:t>
-            </a:r>
-            <a:r>
-              <a:rPr lang="en-US" sz="1200" dirty="0">
-                <a:latin typeface="Tw Cen MT" panose="020B0602020104020603" pitchFamily="34" charset="0"/>
-              </a:rPr>
-              <a:t>.</a:t>
-            </a:r>
-            <a:endParaRPr lang="en-US" sz="1200" b="1" dirty="0">
-              <a:latin typeface="Tw Cen MT" panose="020B0602020104020603" pitchFamily="34" charset="0"/>
-            </a:endParaRPr>
-          </a:p>
-          <a:p>
-            <a:pPr marL="0" marR="0" lvl="0" indent="0" algn="l" defTabSz="914400" rtl="0" eaLnBrk="1" fontAlgn="auto" latinLnBrk="0" hangingPunct="1">
-              <a:lnSpc>
-                <a:spcPct val="100000"/>
-              </a:lnSpc>
-              <a:spcBef>
-                <a:spcPts val="0"/>
-              </a:spcBef>
-              <a:spcAft>
-                <a:spcPts val="0"/>
-              </a:spcAft>
-              <a:buClrTx/>
-              <a:buSzTx/>
-              <a:buFontTx/>
-              <a:buNone/>
-              <a:tabLst/>
-              <a:defRPr/>
-            </a:pPr>
-            <a:r>
-              <a:rPr lang="en-US" b="1" dirty="0" err="1">
-                <a:latin typeface="Tw Cen MT" panose="020B0602020104020603" pitchFamily="34" charset="0"/>
-              </a:rPr>
-              <a:t>Penggalangan</a:t>
-            </a:r>
-            <a:r>
-              <a:rPr lang="en-US" b="1" dirty="0">
-                <a:latin typeface="Tw Cen MT" panose="020B0602020104020603" pitchFamily="34" charset="0"/>
-              </a:rPr>
-              <a:t> dana </a:t>
-            </a:r>
-            <a:r>
-              <a:rPr lang="en-US" dirty="0" err="1">
-                <a:latin typeface="Tw Cen MT" panose="020B0602020104020603" pitchFamily="34" charset="0"/>
-              </a:rPr>
-              <a:t>untuk</a:t>
-            </a:r>
-            <a:r>
-              <a:rPr lang="en-US" dirty="0">
-                <a:latin typeface="Tw Cen MT" panose="020B0602020104020603" pitchFamily="34" charset="0"/>
-              </a:rPr>
-              <a:t> </a:t>
-            </a:r>
-            <a:r>
-              <a:rPr lang="en-US" b="1" dirty="0" err="1">
-                <a:latin typeface="Tw Cen MT" panose="020B0602020104020603" pitchFamily="34" charset="0"/>
-              </a:rPr>
-              <a:t>usaha</a:t>
-            </a:r>
-            <a:r>
-              <a:rPr lang="en-US" b="1" dirty="0">
-                <a:latin typeface="Tw Cen MT" panose="020B0602020104020603" pitchFamily="34" charset="0"/>
-              </a:rPr>
-              <a:t> </a:t>
-            </a:r>
-            <a:r>
-              <a:rPr lang="en-US" dirty="0" err="1">
-                <a:latin typeface="Tw Cen MT" panose="020B0602020104020603" pitchFamily="34" charset="0"/>
-              </a:rPr>
-              <a:t>belum</a:t>
-            </a:r>
-            <a:r>
-              <a:rPr lang="en-US" dirty="0">
-                <a:latin typeface="Tw Cen MT" panose="020B0602020104020603" pitchFamily="34" charset="0"/>
-              </a:rPr>
-              <a:t> </a:t>
-            </a:r>
-            <a:r>
-              <a:rPr lang="en-US" dirty="0" err="1">
-                <a:latin typeface="Tw Cen MT" panose="020B0602020104020603" pitchFamily="34" charset="0"/>
-              </a:rPr>
-              <a:t>banyak</a:t>
-            </a:r>
-            <a:r>
-              <a:rPr lang="en-US" dirty="0">
-                <a:latin typeface="Tw Cen MT" panose="020B0602020104020603" pitchFamily="34" charset="0"/>
-              </a:rPr>
-              <a:t> yang </a:t>
-            </a:r>
-            <a:r>
-              <a:rPr lang="en-US" dirty="0" err="1">
-                <a:latin typeface="Tw Cen MT" panose="020B0602020104020603" pitchFamily="34" charset="0"/>
-              </a:rPr>
-              <a:t>menargetkan</a:t>
-            </a:r>
-            <a:r>
-              <a:rPr lang="en-US" dirty="0">
-                <a:latin typeface="Tw Cen MT" panose="020B0602020104020603" pitchFamily="34" charset="0"/>
-              </a:rPr>
-              <a:t> </a:t>
-            </a:r>
-            <a:r>
-              <a:rPr lang="en-US" dirty="0" err="1">
-                <a:latin typeface="Tw Cen MT" panose="020B0602020104020603" pitchFamily="34" charset="0"/>
-              </a:rPr>
-              <a:t>untuk</a:t>
-            </a:r>
-            <a:r>
-              <a:rPr lang="en-US" dirty="0">
-                <a:latin typeface="Tw Cen MT" panose="020B0602020104020603" pitchFamily="34" charset="0"/>
-              </a:rPr>
-              <a:t> </a:t>
-            </a:r>
-            <a:r>
-              <a:rPr lang="en-US" dirty="0" err="1">
-                <a:latin typeface="Tw Cen MT" panose="020B0602020104020603" pitchFamily="34" charset="0"/>
-              </a:rPr>
-              <a:t>usaha</a:t>
-            </a:r>
-            <a:r>
-              <a:rPr lang="en-US" dirty="0">
-                <a:latin typeface="Tw Cen MT" panose="020B0602020104020603" pitchFamily="34" charset="0"/>
-              </a:rPr>
-              <a:t> </a:t>
-            </a:r>
-            <a:r>
-              <a:rPr lang="en-US" dirty="0" err="1">
-                <a:latin typeface="Tw Cen MT" panose="020B0602020104020603" pitchFamily="34" charset="0"/>
-              </a:rPr>
-              <a:t>kecil</a:t>
-            </a:r>
-            <a:r>
-              <a:rPr lang="en-US" dirty="0">
-                <a:latin typeface="Tw Cen MT" panose="020B0602020104020603" pitchFamily="34" charset="0"/>
-              </a:rPr>
-              <a:t> (</a:t>
-            </a:r>
-            <a:r>
-              <a:rPr lang="en-US" dirty="0" err="1">
-                <a:latin typeface="Tw Cen MT" panose="020B0602020104020603" pitchFamily="34" charset="0"/>
-              </a:rPr>
-              <a:t>mikro</a:t>
-            </a:r>
-            <a:r>
-              <a:rPr lang="en-US" dirty="0">
-                <a:latin typeface="Tw Cen MT" panose="020B0602020104020603" pitchFamily="34" charset="0"/>
-              </a:rPr>
-              <a:t>) </a:t>
-            </a:r>
-            <a:r>
-              <a:rPr lang="en-US" dirty="0" err="1">
-                <a:latin typeface="Tw Cen MT" panose="020B0602020104020603" pitchFamily="34" charset="0"/>
-              </a:rPr>
-              <a:t>padahal</a:t>
-            </a:r>
-            <a:r>
-              <a:rPr lang="en-US" dirty="0">
-                <a:latin typeface="Tw Cen MT" panose="020B0602020104020603" pitchFamily="34" charset="0"/>
-              </a:rPr>
-              <a:t> </a:t>
-            </a:r>
-            <a:r>
-              <a:rPr lang="en-US" dirty="0" err="1">
-                <a:latin typeface="Tw Cen MT" panose="020B0602020104020603" pitchFamily="34" charset="0"/>
-              </a:rPr>
-              <a:t>pendanaan</a:t>
-            </a:r>
-            <a:r>
-              <a:rPr lang="en-US" dirty="0">
-                <a:latin typeface="Tw Cen MT" panose="020B0602020104020603" pitchFamily="34" charset="0"/>
-              </a:rPr>
-              <a:t> pada </a:t>
-            </a:r>
-            <a:r>
-              <a:rPr lang="en-US" dirty="0" err="1">
-                <a:latin typeface="Tw Cen MT" panose="020B0602020104020603" pitchFamily="34" charset="0"/>
-              </a:rPr>
-              <a:t>usaha</a:t>
-            </a:r>
-            <a:r>
-              <a:rPr lang="en-US" dirty="0">
-                <a:latin typeface="Tw Cen MT" panose="020B0602020104020603" pitchFamily="34" charset="0"/>
-              </a:rPr>
-              <a:t> </a:t>
-            </a:r>
-            <a:r>
-              <a:rPr lang="en-US" dirty="0" err="1">
-                <a:latin typeface="Tw Cen MT" panose="020B0602020104020603" pitchFamily="34" charset="0"/>
-              </a:rPr>
-              <a:t>kecil</a:t>
-            </a:r>
-            <a:r>
-              <a:rPr lang="en-US" dirty="0">
-                <a:latin typeface="Tw Cen MT" panose="020B0602020104020603" pitchFamily="34" charset="0"/>
-              </a:rPr>
-              <a:t> </a:t>
-            </a:r>
-            <a:r>
-              <a:rPr lang="en-US" dirty="0" err="1">
-                <a:latin typeface="Tw Cen MT" panose="020B0602020104020603" pitchFamily="34" charset="0"/>
-              </a:rPr>
-              <a:t>dapat</a:t>
-            </a:r>
-            <a:r>
-              <a:rPr lang="en-US" dirty="0">
-                <a:latin typeface="Tw Cen MT" panose="020B0602020104020603" pitchFamily="34" charset="0"/>
-              </a:rPr>
-              <a:t> </a:t>
-            </a:r>
-            <a:r>
-              <a:rPr lang="en-US" dirty="0" err="1">
-                <a:latin typeface="Tw Cen MT" panose="020B0602020104020603" pitchFamily="34" charset="0"/>
-              </a:rPr>
-              <a:t>mengangkat</a:t>
-            </a:r>
-            <a:r>
-              <a:rPr lang="en-US" dirty="0">
-                <a:latin typeface="Tw Cen MT" panose="020B0602020104020603" pitchFamily="34" charset="0"/>
-              </a:rPr>
-              <a:t> </a:t>
-            </a:r>
-            <a:r>
-              <a:rPr lang="en-US" dirty="0" err="1">
-                <a:latin typeface="Tw Cen MT" panose="020B0602020104020603" pitchFamily="34" charset="0"/>
-              </a:rPr>
-              <a:t>taraf</a:t>
-            </a:r>
-            <a:r>
-              <a:rPr lang="en-US" dirty="0">
-                <a:latin typeface="Tw Cen MT" panose="020B0602020104020603" pitchFamily="34" charset="0"/>
-              </a:rPr>
-              <a:t> </a:t>
-            </a:r>
-            <a:r>
-              <a:rPr lang="en-US" dirty="0" err="1">
-                <a:latin typeface="Tw Cen MT" panose="020B0602020104020603" pitchFamily="34" charset="0"/>
-              </a:rPr>
-              <a:t>ekonomi</a:t>
-            </a:r>
-            <a:r>
-              <a:rPr lang="en-US" dirty="0">
-                <a:latin typeface="Tw Cen MT" panose="020B0602020104020603" pitchFamily="34" charset="0"/>
-              </a:rPr>
-              <a:t> </a:t>
-            </a:r>
-            <a:r>
-              <a:rPr lang="en-US" dirty="0" err="1">
-                <a:latin typeface="Tw Cen MT" panose="020B0602020104020603" pitchFamily="34" charset="0"/>
-              </a:rPr>
-              <a:t>masyarakat</a:t>
-            </a:r>
-            <a:r>
-              <a:rPr lang="en-US" dirty="0">
-                <a:latin typeface="Tw Cen MT" panose="020B0602020104020603" pitchFamily="34" charset="0"/>
-              </a:rPr>
-              <a:t> dan </a:t>
-            </a:r>
-            <a:r>
-              <a:rPr lang="en-US" dirty="0" err="1">
-                <a:latin typeface="Tw Cen MT" panose="020B0602020104020603" pitchFamily="34" charset="0"/>
-              </a:rPr>
-              <a:t>mengurangi</a:t>
-            </a:r>
-            <a:r>
-              <a:rPr lang="en-US" dirty="0">
-                <a:latin typeface="Tw Cen MT" panose="020B0602020104020603" pitchFamily="34" charset="0"/>
-              </a:rPr>
-              <a:t> </a:t>
-            </a:r>
-            <a:r>
-              <a:rPr lang="en-US" dirty="0" err="1">
-                <a:latin typeface="Tw Cen MT" panose="020B0602020104020603" pitchFamily="34" charset="0"/>
-              </a:rPr>
-              <a:t>angka</a:t>
-            </a:r>
-            <a:r>
-              <a:rPr lang="en-US" dirty="0">
-                <a:latin typeface="Tw Cen MT" panose="020B0602020104020603" pitchFamily="34" charset="0"/>
-              </a:rPr>
-              <a:t> </a:t>
-            </a:r>
-            <a:r>
-              <a:rPr lang="en-US" dirty="0" err="1">
-                <a:latin typeface="Tw Cen MT" panose="020B0602020104020603" pitchFamily="34" charset="0"/>
-              </a:rPr>
-              <a:t>kemiskinan</a:t>
-            </a:r>
-            <a:r>
-              <a:rPr lang="en-US" dirty="0">
-                <a:latin typeface="Tw Cen MT" panose="020B0602020104020603" pitchFamily="34" charset="0"/>
-              </a:rPr>
-              <a:t>.</a:t>
-            </a:r>
-            <a:endParaRPr lang="en-US" b="1" dirty="0">
-              <a:latin typeface="Tw Cen MT" panose="020B0602020104020603" pitchFamily="34" charset="0"/>
-            </a:endParaRPr>
-          </a:p>
-          <a:p>
-            <a:pPr marL="0" marR="0" lvl="0" indent="0" algn="l" defTabSz="914400" rtl="0" eaLnBrk="1" fontAlgn="auto" latinLnBrk="0" hangingPunct="1">
-              <a:lnSpc>
-                <a:spcPct val="100000"/>
-              </a:lnSpc>
-              <a:spcBef>
-                <a:spcPts val="0"/>
-              </a:spcBef>
-              <a:spcAft>
-                <a:spcPts val="0"/>
-              </a:spcAft>
-              <a:buClrTx/>
-              <a:buSzTx/>
-              <a:buFontTx/>
-              <a:buNone/>
-              <a:tabLst/>
-              <a:defRPr/>
-            </a:pPr>
-            <a:r>
-              <a:rPr lang="en-US" b="1" dirty="0" err="1">
-                <a:latin typeface="Tw Cen MT" panose="020B0602020104020603" pitchFamily="34" charset="0"/>
-              </a:rPr>
-              <a:t>Keamanan</a:t>
-            </a:r>
-            <a:r>
-              <a:rPr lang="en-US" b="1" dirty="0">
-                <a:latin typeface="Tw Cen MT" panose="020B0602020104020603" pitchFamily="34" charset="0"/>
-              </a:rPr>
-              <a:t> data </a:t>
-            </a:r>
-            <a:r>
-              <a:rPr lang="en-US" dirty="0" err="1">
-                <a:latin typeface="Tw Cen MT" panose="020B0602020104020603" pitchFamily="34" charset="0"/>
-              </a:rPr>
-              <a:t>terutama</a:t>
-            </a:r>
-            <a:r>
-              <a:rPr lang="en-US" b="1" dirty="0">
-                <a:latin typeface="Tw Cen MT" panose="020B0602020104020603" pitchFamily="34" charset="0"/>
-              </a:rPr>
-              <a:t> Data </a:t>
-            </a:r>
-            <a:r>
-              <a:rPr lang="en-US" b="1" dirty="0" err="1">
-                <a:latin typeface="Tw Cen MT" panose="020B0602020104020603" pitchFamily="34" charset="0"/>
-              </a:rPr>
-              <a:t>Pribadi</a:t>
-            </a:r>
-            <a:r>
-              <a:rPr lang="en-US" b="1" dirty="0">
-                <a:latin typeface="Tw Cen MT" panose="020B0602020104020603" pitchFamily="34" charset="0"/>
-              </a:rPr>
-              <a:t> </a:t>
-            </a:r>
-            <a:r>
-              <a:rPr lang="en-US" dirty="0">
-                <a:latin typeface="Tw Cen MT" panose="020B0602020104020603" pitchFamily="34" charset="0"/>
-              </a:rPr>
-              <a:t>pada platform media </a:t>
-            </a:r>
-            <a:r>
-              <a:rPr lang="en-US" dirty="0" err="1">
-                <a:latin typeface="Tw Cen MT" panose="020B0602020104020603" pitchFamily="34" charset="0"/>
-              </a:rPr>
-              <a:t>publikasi</a:t>
-            </a:r>
-            <a:r>
-              <a:rPr lang="en-US" dirty="0">
-                <a:latin typeface="Tw Cen MT" panose="020B0602020104020603" pitchFamily="34" charset="0"/>
-              </a:rPr>
-              <a:t> online </a:t>
-            </a:r>
-            <a:r>
-              <a:rPr lang="en-US" dirty="0" err="1">
-                <a:latin typeface="Tw Cen MT" panose="020B0602020104020603" pitchFamily="34" charset="0"/>
-              </a:rPr>
-              <a:t>merupakan</a:t>
-            </a:r>
-            <a:r>
-              <a:rPr lang="en-US" dirty="0">
-                <a:latin typeface="Tw Cen MT" panose="020B0602020104020603" pitchFamily="34" charset="0"/>
-              </a:rPr>
-              <a:t> </a:t>
-            </a:r>
-            <a:r>
-              <a:rPr lang="en-US" dirty="0" err="1">
-                <a:latin typeface="Tw Cen MT" panose="020B0602020104020603" pitchFamily="34" charset="0"/>
-              </a:rPr>
-              <a:t>hal</a:t>
-            </a:r>
-            <a:r>
-              <a:rPr lang="en-US" dirty="0">
-                <a:latin typeface="Tw Cen MT" panose="020B0602020104020603" pitchFamily="34" charset="0"/>
-              </a:rPr>
-              <a:t> yang </a:t>
-            </a:r>
-            <a:r>
-              <a:rPr lang="en-US" dirty="0" err="1">
-                <a:latin typeface="Tw Cen MT" panose="020B0602020104020603" pitchFamily="34" charset="0"/>
-              </a:rPr>
-              <a:t>penting</a:t>
-            </a:r>
-            <a:r>
-              <a:rPr lang="en-US" dirty="0">
-                <a:latin typeface="Tw Cen MT" panose="020B0602020104020603" pitchFamily="34" charset="0"/>
-              </a:rPr>
-              <a:t> dan </a:t>
-            </a:r>
-            <a:r>
-              <a:rPr lang="en-US" dirty="0" err="1">
-                <a:latin typeface="Tw Cen MT" panose="020B0602020104020603" pitchFamily="34" charset="0"/>
-              </a:rPr>
-              <a:t>tidak</a:t>
-            </a:r>
-            <a:r>
-              <a:rPr lang="en-US" dirty="0">
-                <a:latin typeface="Tw Cen MT" panose="020B0602020104020603" pitchFamily="34" charset="0"/>
-              </a:rPr>
-              <a:t> </a:t>
-            </a:r>
-            <a:r>
-              <a:rPr lang="en-US" dirty="0" err="1">
-                <a:latin typeface="Tw Cen MT" panose="020B0602020104020603" pitchFamily="34" charset="0"/>
-              </a:rPr>
-              <a:t>boleh</a:t>
-            </a:r>
-            <a:r>
-              <a:rPr lang="en-US" dirty="0">
-                <a:latin typeface="Tw Cen MT" panose="020B0602020104020603" pitchFamily="34" charset="0"/>
-              </a:rPr>
-              <a:t> </a:t>
-            </a:r>
-            <a:r>
-              <a:rPr lang="en-US" dirty="0" err="1">
-                <a:latin typeface="Tw Cen MT" panose="020B0602020104020603" pitchFamily="34" charset="0"/>
-              </a:rPr>
-              <a:t>diperoleh</a:t>
-            </a:r>
-            <a:r>
-              <a:rPr lang="en-US" dirty="0">
-                <a:latin typeface="Tw Cen MT" panose="020B0602020104020603" pitchFamily="34" charset="0"/>
-              </a:rPr>
-              <a:t> oleh orang yang </a:t>
-            </a:r>
-            <a:r>
-              <a:rPr lang="en-US" dirty="0" err="1">
-                <a:latin typeface="Tw Cen MT" panose="020B0602020104020603" pitchFamily="34" charset="0"/>
-              </a:rPr>
-              <a:t>tidak</a:t>
-            </a:r>
-            <a:r>
-              <a:rPr lang="en-US" dirty="0">
-                <a:latin typeface="Tw Cen MT" panose="020B0602020104020603" pitchFamily="34" charset="0"/>
-              </a:rPr>
-              <a:t> </a:t>
-            </a:r>
-            <a:r>
-              <a:rPr lang="en-US" dirty="0" err="1">
-                <a:latin typeface="Tw Cen MT" panose="020B0602020104020603" pitchFamily="34" charset="0"/>
-              </a:rPr>
-              <a:t>bertanggung</a:t>
-            </a:r>
-            <a:r>
-              <a:rPr lang="en-US" dirty="0">
-                <a:latin typeface="Tw Cen MT" panose="020B0602020104020603" pitchFamily="34" charset="0"/>
-              </a:rPr>
-              <a:t> </a:t>
-            </a:r>
-            <a:r>
-              <a:rPr lang="en-US" dirty="0" err="1">
-                <a:latin typeface="Tw Cen MT" panose="020B0602020104020603" pitchFamily="34" charset="0"/>
-              </a:rPr>
-              <a:t>jawab</a:t>
-            </a:r>
-            <a:r>
-              <a:rPr lang="en-US" dirty="0">
-                <a:latin typeface="Tw Cen MT" panose="020B0602020104020603" pitchFamily="34" charset="0"/>
-              </a:rPr>
-              <a:t>. </a:t>
-            </a:r>
-          </a:p>
-          <a:p>
             <a:endParaRPr lang="en-US" dirty="0"/>
           </a:p>
         </p:txBody>
@@ -12776,114 +11917,6 @@
               <a:buFont typeface="Arial" panose="020B0604020202020204" pitchFamily="34" charset="0"/>
               <a:buAutoNum type="arabicPeriod"/>
             </a:pPr>
-            <a:r>
-              <a:rPr lang="en-US" sz="1200" b="1" dirty="0">
-                <a:latin typeface="Tw Cen MT" panose="020B0602020104020603" pitchFamily="34" charset="0"/>
-              </a:rPr>
-              <a:t>User upload file</a:t>
-            </a:r>
-          </a:p>
-          <a:p>
-            <a:pPr marL="228600" indent="-228600">
-              <a:buFont typeface="Arial" panose="020B0604020202020204" pitchFamily="34" charset="0"/>
-              <a:buAutoNum type="arabicPeriod"/>
-            </a:pPr>
-            <a:r>
-              <a:rPr lang="en-US" sz="1200" b="1" dirty="0">
-                <a:latin typeface="Tw Cen MT" panose="020B0602020104020603" pitchFamily="34" charset="0"/>
-              </a:rPr>
-              <a:t>Server </a:t>
-            </a:r>
-            <a:r>
-              <a:rPr lang="en-US" sz="1200" b="1" dirty="0" err="1">
-                <a:latin typeface="Tw Cen MT" panose="020B0602020104020603" pitchFamily="34" charset="0"/>
-              </a:rPr>
-              <a:t>aplikasi</a:t>
-            </a:r>
-            <a:r>
-              <a:rPr lang="en-US" sz="1200" b="1" dirty="0">
-                <a:latin typeface="Tw Cen MT" panose="020B0602020104020603" pitchFamily="34" charset="0"/>
-              </a:rPr>
-              <a:t> </a:t>
-            </a:r>
-            <a:r>
-              <a:rPr lang="en-US" sz="1200" b="1" dirty="0" err="1">
-                <a:latin typeface="Tw Cen MT" panose="020B0602020104020603" pitchFamily="34" charset="0"/>
-              </a:rPr>
-              <a:t>enkrip</a:t>
-            </a:r>
-            <a:r>
-              <a:rPr lang="en-US" sz="1200" b="1" dirty="0">
-                <a:latin typeface="Tw Cen MT" panose="020B0602020104020603" pitchFamily="34" charset="0"/>
-              </a:rPr>
-              <a:t> file</a:t>
-            </a:r>
-          </a:p>
-          <a:p>
-            <a:pPr marL="228600" indent="-228600">
-              <a:buFont typeface="Arial" panose="020B0604020202020204" pitchFamily="34" charset="0"/>
-              <a:buAutoNum type="arabicPeriod"/>
-            </a:pPr>
-            <a:r>
-              <a:rPr lang="en-US" sz="1200" b="1" dirty="0">
-                <a:latin typeface="Tw Cen MT" panose="020B0602020104020603" pitchFamily="34" charset="0"/>
-              </a:rPr>
-              <a:t>File </a:t>
-            </a:r>
-            <a:r>
-              <a:rPr lang="en-US" sz="1200" b="1" dirty="0" err="1">
-                <a:latin typeface="Tw Cen MT" panose="020B0602020104020603" pitchFamily="34" charset="0"/>
-              </a:rPr>
-              <a:t>disimpan</a:t>
-            </a:r>
-            <a:r>
-              <a:rPr lang="en-US" sz="1200" b="1" dirty="0">
-                <a:latin typeface="Tw Cen MT" panose="020B0602020104020603" pitchFamily="34" charset="0"/>
-              </a:rPr>
-              <a:t> di server </a:t>
-            </a:r>
-            <a:r>
-              <a:rPr lang="en-US" sz="1200" b="1" dirty="0" err="1">
-                <a:latin typeface="Tw Cen MT" panose="020B0602020104020603" pitchFamily="34" charset="0"/>
-              </a:rPr>
-              <a:t>aplikasi</a:t>
-            </a:r>
-            <a:r>
-              <a:rPr lang="en-US" sz="1200" b="1" dirty="0">
-                <a:latin typeface="Tw Cen MT" panose="020B0602020104020603" pitchFamily="34" charset="0"/>
-              </a:rPr>
-              <a:t> dan server backup</a:t>
-            </a:r>
-          </a:p>
-          <a:p>
-            <a:pPr marL="228600" indent="-228600">
-              <a:buFont typeface="Arial" panose="020B0604020202020204" pitchFamily="34" charset="0"/>
-              <a:buAutoNum type="arabicPeriod"/>
-            </a:pPr>
-            <a:r>
-              <a:rPr lang="en-US" sz="1200" b="1" dirty="0">
-                <a:latin typeface="Tw Cen MT" panose="020B0602020104020603" pitchFamily="34" charset="0"/>
-              </a:rPr>
-              <a:t>Generate hash key</a:t>
-            </a:r>
-          </a:p>
-          <a:p>
-            <a:pPr marL="228600" indent="-228600">
-              <a:buFont typeface="Arial" panose="020B0604020202020204" pitchFamily="34" charset="0"/>
-              <a:buAutoNum type="arabicPeriod"/>
-            </a:pPr>
-            <a:r>
-              <a:rPr lang="en-US" sz="1200" b="1" dirty="0">
-                <a:latin typeface="Tw Cen MT" panose="020B0602020104020603" pitchFamily="34" charset="0"/>
-              </a:rPr>
-              <a:t>Save </a:t>
-            </a:r>
-            <a:r>
-              <a:rPr lang="en-US" sz="1200" b="1" dirty="0" err="1">
-                <a:latin typeface="Tw Cen MT" panose="020B0602020104020603" pitchFamily="34" charset="0"/>
-              </a:rPr>
-              <a:t>db</a:t>
-            </a:r>
             <a:endParaRPr lang="en-US" sz="1200" b="1" dirty="0">
               <a:latin typeface="Tw Cen MT" panose="020B0602020104020603" pitchFamily="34" charset="0"/>
             </a:endParaRPr>
@@ -12974,114 +12007,6 @@
               <a:buFont typeface="Arial" panose="020B0604020202020204" pitchFamily="34" charset="0"/>
               <a:buAutoNum type="arabicPeriod"/>
             </a:pPr>
-            <a:r>
-              <a:rPr lang="en-US" sz="1200" b="1" dirty="0">
-                <a:latin typeface="Tw Cen MT" panose="020B0602020104020603" pitchFamily="34" charset="0"/>
-              </a:rPr>
-              <a:t>User upload file</a:t>
-            </a:r>
-          </a:p>
-          <a:p>
-            <a:pPr marL="228600" indent="-228600">
-              <a:buFont typeface="Arial" panose="020B0604020202020204" pitchFamily="34" charset="0"/>
-              <a:buAutoNum type="arabicPeriod"/>
-            </a:pPr>
-            <a:r>
-              <a:rPr lang="en-US" sz="1200" b="1" dirty="0">
-                <a:latin typeface="Tw Cen MT" panose="020B0602020104020603" pitchFamily="34" charset="0"/>
-              </a:rPr>
-              <a:t>Server </a:t>
-            </a:r>
-            <a:r>
-              <a:rPr lang="en-US" sz="1200" b="1" dirty="0" err="1">
-                <a:latin typeface="Tw Cen MT" panose="020B0602020104020603" pitchFamily="34" charset="0"/>
-              </a:rPr>
-              <a:t>aplikasi</a:t>
-            </a:r>
-            <a:r>
-              <a:rPr lang="en-US" sz="1200" b="1" dirty="0">
-                <a:latin typeface="Tw Cen MT" panose="020B0602020104020603" pitchFamily="34" charset="0"/>
-              </a:rPr>
-              <a:t> </a:t>
-            </a:r>
-            <a:r>
-              <a:rPr lang="en-US" sz="1200" b="1" dirty="0" err="1">
-                <a:latin typeface="Tw Cen MT" panose="020B0602020104020603" pitchFamily="34" charset="0"/>
-              </a:rPr>
-              <a:t>enkrip</a:t>
-            </a:r>
-            <a:r>
-              <a:rPr lang="en-US" sz="1200" b="1" dirty="0">
-                <a:latin typeface="Tw Cen MT" panose="020B0602020104020603" pitchFamily="34" charset="0"/>
-              </a:rPr>
-              <a:t> file</a:t>
-            </a:r>
-          </a:p>
-          <a:p>
-            <a:pPr marL="228600" indent="-228600">
-              <a:buFont typeface="Arial" panose="020B0604020202020204" pitchFamily="34" charset="0"/>
-              <a:buAutoNum type="arabicPeriod"/>
-            </a:pPr>
-            <a:r>
-              <a:rPr lang="en-US" sz="1200" b="1" dirty="0">
-                <a:latin typeface="Tw Cen MT" panose="020B0602020104020603" pitchFamily="34" charset="0"/>
-              </a:rPr>
-              <a:t>File </a:t>
-            </a:r>
-            <a:r>
-              <a:rPr lang="en-US" sz="1200" b="1" dirty="0" err="1">
-                <a:latin typeface="Tw Cen MT" panose="020B0602020104020603" pitchFamily="34" charset="0"/>
-              </a:rPr>
-              <a:t>disimpan</a:t>
-            </a:r>
-            <a:r>
-              <a:rPr lang="en-US" sz="1200" b="1" dirty="0">
-                <a:latin typeface="Tw Cen MT" panose="020B0602020104020603" pitchFamily="34" charset="0"/>
-              </a:rPr>
-              <a:t> di server </a:t>
-            </a:r>
-            <a:r>
-              <a:rPr lang="en-US" sz="1200" b="1" dirty="0" err="1">
-                <a:latin typeface="Tw Cen MT" panose="020B0602020104020603" pitchFamily="34" charset="0"/>
-              </a:rPr>
-              <a:t>aplikasi</a:t>
-            </a:r>
-            <a:r>
-              <a:rPr lang="en-US" sz="1200" b="1" dirty="0">
-                <a:latin typeface="Tw Cen MT" panose="020B0602020104020603" pitchFamily="34" charset="0"/>
-              </a:rPr>
-              <a:t> dan server backup</a:t>
-            </a:r>
-          </a:p>
-          <a:p>
-            <a:pPr marL="228600" indent="-228600">
-              <a:buFont typeface="Arial" panose="020B0604020202020204" pitchFamily="34" charset="0"/>
-              <a:buAutoNum type="arabicPeriod"/>
-            </a:pPr>
-            <a:r>
-              <a:rPr lang="en-US" sz="1200" b="1" dirty="0">
-                <a:latin typeface="Tw Cen MT" panose="020B0602020104020603" pitchFamily="34" charset="0"/>
-              </a:rPr>
-              <a:t>Generate hash key</a:t>
-            </a:r>
-          </a:p>
-          <a:p>
-            <a:pPr marL="228600" indent="-228600">
-              <a:buFont typeface="Arial" panose="020B0604020202020204" pitchFamily="34" charset="0"/>
-              <a:buAutoNum type="arabicPeriod"/>
-            </a:pPr>
-            <a:r>
-              <a:rPr lang="en-US" sz="1200" b="1" dirty="0">
-                <a:latin typeface="Tw Cen MT" panose="020B0602020104020603" pitchFamily="34" charset="0"/>
-              </a:rPr>
-              <a:t>Save </a:t>
-            </a:r>
-            <a:r>
-              <a:rPr lang="en-US" sz="1200" b="1" dirty="0" err="1">
-                <a:latin typeface="Tw Cen MT" panose="020B0602020104020603" pitchFamily="34" charset="0"/>
-              </a:rPr>
-              <a:t>db</a:t>
-            </a:r>
             <a:endParaRPr lang="en-US" sz="1200" b="1" dirty="0">
               <a:latin typeface="Tw Cen MT" panose="020B0602020104020603" pitchFamily="34" charset="0"/>
             </a:endParaRPr>
@@ -14392,600 +13317,6 @@
           <a:bodyPr/>
           <a:lstStyle/>
           <a:p>
-            <a:pPr marL="0" marR="0" lvl="0" indent="0" algn="l" defTabSz="914400" rtl="0" eaLnBrk="1" fontAlgn="auto" latinLnBrk="0" hangingPunct="1">
-              <a:lnSpc>
-                <a:spcPct val="100000"/>
-              </a:lnSpc>
-              <a:spcBef>
-                <a:spcPts val="0"/>
-              </a:spcBef>
-              <a:spcAft>
-                <a:spcPts val="0"/>
-              </a:spcAft>
-              <a:buClrTx/>
-              <a:buSzTx/>
-              <a:buFontTx/>
-              <a:buNone/>
-              <a:tabLst/>
-              <a:defRPr/>
-            </a:pPr>
-            <a:r>
-              <a:rPr lang="en-US" sz="1200" dirty="0" err="1">
-                <a:latin typeface="Tw Cen MT" panose="020B0602020104020603" pitchFamily="34" charset="0"/>
-              </a:rPr>
-              <a:t>Tujuan</a:t>
-            </a:r>
-            <a:r>
-              <a:rPr lang="en-US" sz="1200" dirty="0">
-                <a:latin typeface="Tw Cen MT" panose="020B0602020104020603" pitchFamily="34" charset="0"/>
-              </a:rPr>
-              <a:t> </a:t>
-            </a:r>
-            <a:r>
-              <a:rPr lang="en-US" sz="1200" dirty="0" err="1">
-                <a:latin typeface="Tw Cen MT" panose="020B0602020104020603" pitchFamily="34" charset="0"/>
-              </a:rPr>
-              <a:t>dari</a:t>
-            </a:r>
-            <a:r>
-              <a:rPr lang="en-US" sz="1200" dirty="0">
-                <a:latin typeface="Tw Cen MT" panose="020B0602020104020603" pitchFamily="34" charset="0"/>
-              </a:rPr>
-              <a:t> </a:t>
-            </a:r>
-            <a:r>
-              <a:rPr lang="en-US" sz="1200" dirty="0" err="1">
-                <a:latin typeface="Tw Cen MT" panose="020B0602020104020603" pitchFamily="34" charset="0"/>
-              </a:rPr>
-              <a:t>pembuatan</a:t>
-            </a:r>
-            <a:r>
-              <a:rPr lang="en-US" sz="1200" dirty="0">
-                <a:latin typeface="Tw Cen MT" panose="020B0602020104020603" pitchFamily="34" charset="0"/>
-              </a:rPr>
-              <a:t> </a:t>
-            </a:r>
-            <a:r>
-              <a:rPr lang="en-US" sz="1200" dirty="0" err="1">
-                <a:latin typeface="Tw Cen MT" panose="020B0602020104020603" pitchFamily="34" charset="0"/>
-              </a:rPr>
-              <a:t>Tugas</a:t>
-            </a:r>
-            <a:r>
-              <a:rPr lang="en-US" sz="1200" dirty="0">
-                <a:latin typeface="Tw Cen MT" panose="020B0602020104020603" pitchFamily="34" charset="0"/>
-              </a:rPr>
-              <a:t> </a:t>
-            </a:r>
-            <a:r>
-              <a:rPr lang="en-US" sz="1200" dirty="0" err="1">
-                <a:latin typeface="Tw Cen MT" panose="020B0602020104020603" pitchFamily="34" charset="0"/>
-              </a:rPr>
-              <a:t>Akhir</a:t>
-            </a:r>
-            <a:r>
-              <a:rPr lang="en-US" sz="1200" dirty="0">
-                <a:latin typeface="Tw Cen MT" panose="020B0602020104020603" pitchFamily="34" charset="0"/>
-              </a:rPr>
-              <a:t> </a:t>
-            </a:r>
-            <a:r>
-              <a:rPr lang="en-US" sz="1200" dirty="0" err="1">
-                <a:latin typeface="Tw Cen MT" panose="020B0602020104020603" pitchFamily="34" charset="0"/>
-              </a:rPr>
-              <a:t>ini</a:t>
-            </a:r>
-            <a:r>
-              <a:rPr lang="en-US" sz="1200" dirty="0">
-                <a:latin typeface="Tw Cen MT" panose="020B0602020104020603" pitchFamily="34" charset="0"/>
-              </a:rPr>
-              <a:t> </a:t>
-            </a:r>
-            <a:r>
-              <a:rPr lang="en-US" sz="1200" dirty="0" err="1">
-                <a:latin typeface="Tw Cen MT" panose="020B0602020104020603" pitchFamily="34" charset="0"/>
-              </a:rPr>
-              <a:t>adalah</a:t>
-            </a:r>
-            <a:r>
-              <a:rPr lang="en-US" sz="1200" dirty="0">
-                <a:latin typeface="Tw Cen MT" panose="020B0602020104020603" pitchFamily="34" charset="0"/>
-              </a:rPr>
-              <a:t> </a:t>
-            </a:r>
-            <a:r>
-              <a:rPr lang="en-US" sz="1200" dirty="0" err="1">
-                <a:latin typeface="Tw Cen MT" panose="020B0602020104020603" pitchFamily="34" charset="0"/>
-              </a:rPr>
-              <a:t>untuk</a:t>
-            </a:r>
-            <a:r>
-              <a:rPr lang="en-US" sz="1200" dirty="0">
-                <a:latin typeface="Tw Cen MT" panose="020B0602020104020603" pitchFamily="34" charset="0"/>
-              </a:rPr>
-              <a:t> </a:t>
-            </a:r>
-            <a:r>
-              <a:rPr lang="en-US" sz="1200" dirty="0" err="1">
-                <a:latin typeface="Tw Cen MT" panose="020B0602020104020603" pitchFamily="34" charset="0"/>
-              </a:rPr>
-              <a:t>membangun</a:t>
-            </a:r>
-            <a:r>
-              <a:rPr lang="en-US" sz="1200" dirty="0">
-                <a:latin typeface="Tw Cen MT" panose="020B0602020104020603" pitchFamily="34" charset="0"/>
-              </a:rPr>
-              <a:t> </a:t>
-            </a:r>
-            <a:r>
-              <a:rPr lang="en-US" sz="1200" dirty="0" err="1">
-                <a:latin typeface="Tw Cen MT" panose="020B0602020104020603" pitchFamily="34" charset="0"/>
-              </a:rPr>
-              <a:t>sebuah</a:t>
-            </a:r>
-            <a:r>
-              <a:rPr lang="en-US" sz="1200" dirty="0">
-                <a:latin typeface="Tw Cen MT" panose="020B0602020104020603" pitchFamily="34" charset="0"/>
-              </a:rPr>
-              <a:t> </a:t>
-            </a:r>
-            <a:r>
-              <a:rPr lang="en-US" sz="1200" dirty="0" err="1">
-                <a:latin typeface="Tw Cen MT" panose="020B0602020104020603" pitchFamily="34" charset="0"/>
-              </a:rPr>
-              <a:t>Sistem</a:t>
-            </a:r>
-            <a:r>
-              <a:rPr lang="en-US" sz="1200" dirty="0">
-                <a:latin typeface="Tw Cen MT" panose="020B0602020104020603" pitchFamily="34" charset="0"/>
-              </a:rPr>
-              <a:t> Crowdfunding Online </a:t>
-            </a:r>
-            <a:r>
-              <a:rPr lang="en-US" sz="1200" dirty="0" err="1">
-                <a:latin typeface="Tw Cen MT" panose="020B0602020104020603" pitchFamily="34" charset="0"/>
-              </a:rPr>
-              <a:t>berbasis</a:t>
-            </a:r>
-            <a:r>
-              <a:rPr lang="en-US" sz="1200" dirty="0">
-                <a:latin typeface="Tw Cen MT" panose="020B0602020104020603" pitchFamily="34" charset="0"/>
-              </a:rPr>
-              <a:t> Syariah </a:t>
-            </a:r>
-            <a:r>
-              <a:rPr lang="en-US" sz="1200" dirty="0" err="1">
-                <a:latin typeface="Tw Cen MT" panose="020B0602020104020603" pitchFamily="34" charset="0"/>
-              </a:rPr>
-              <a:t>untuk</a:t>
-            </a:r>
-            <a:r>
-              <a:rPr lang="en-US" sz="1200" dirty="0">
-                <a:latin typeface="Tw Cen MT" panose="020B0602020104020603" pitchFamily="34" charset="0"/>
-              </a:rPr>
-              <a:t> </a:t>
-            </a:r>
-            <a:r>
-              <a:rPr lang="en-US" sz="1200" dirty="0" err="1">
-                <a:latin typeface="Tw Cen MT" panose="020B0602020104020603" pitchFamily="34" charset="0"/>
-              </a:rPr>
-              <a:t>usaha</a:t>
-            </a:r>
-            <a:r>
-              <a:rPr lang="en-US" sz="1200" dirty="0">
-                <a:latin typeface="Tw Cen MT" panose="020B0602020104020603" pitchFamily="34" charset="0"/>
-              </a:rPr>
-              <a:t> </a:t>
-            </a:r>
-            <a:r>
-              <a:rPr lang="en-US" sz="1200" dirty="0" err="1">
-                <a:latin typeface="Tw Cen MT" panose="020B0602020104020603" pitchFamily="34" charset="0"/>
-              </a:rPr>
-              <a:t>mikro</a:t>
-            </a:r>
-            <a:r>
-              <a:rPr lang="en-US" sz="1200" dirty="0">
-                <a:latin typeface="Tw Cen MT" panose="020B0602020104020603" pitchFamily="34" charset="0"/>
-              </a:rPr>
-              <a:t> </a:t>
-            </a:r>
-            <a:r>
-              <a:rPr lang="en-US" sz="1200" dirty="0" err="1">
-                <a:latin typeface="Tw Cen MT" panose="020B0602020104020603" pitchFamily="34" charset="0"/>
-              </a:rPr>
-              <a:t>dengan</a:t>
-            </a:r>
-            <a:r>
-              <a:rPr lang="en-US" sz="1200" dirty="0">
-                <a:latin typeface="Tw Cen MT" panose="020B0602020104020603" pitchFamily="34" charset="0"/>
-              </a:rPr>
-              <a:t> </a:t>
-            </a:r>
-            <a:r>
-              <a:rPr lang="en-US" sz="1200" dirty="0" err="1">
-                <a:latin typeface="Tw Cen MT" panose="020B0602020104020603" pitchFamily="34" charset="0"/>
-              </a:rPr>
-              <a:t>keamanan</a:t>
-            </a:r>
-            <a:r>
-              <a:rPr lang="en-US" sz="1200" dirty="0">
-                <a:latin typeface="Tw Cen MT" panose="020B0602020104020603" pitchFamily="34" charset="0"/>
-              </a:rPr>
-              <a:t> data </a:t>
-            </a:r>
-            <a:r>
-              <a:rPr lang="en-US" sz="1200" dirty="0" err="1">
-                <a:latin typeface="Tw Cen MT" panose="020B0602020104020603" pitchFamily="34" charset="0"/>
-              </a:rPr>
-              <a:t>menggunakan</a:t>
-            </a:r>
-            <a:r>
-              <a:rPr lang="en-US" sz="1200" dirty="0">
-                <a:latin typeface="Tw Cen MT" panose="020B0602020104020603" pitchFamily="34" charset="0"/>
-              </a:rPr>
-              <a:t> </a:t>
-            </a:r>
-            <a:r>
-              <a:rPr lang="en-US" sz="1200" dirty="0" err="1">
-                <a:latin typeface="Tw Cen MT" panose="020B0602020104020603" pitchFamily="34" charset="0"/>
-              </a:rPr>
-              <a:t>enkripsi</a:t>
-            </a:r>
-            <a:r>
-              <a:rPr lang="en-US" sz="1200" dirty="0">
-                <a:latin typeface="Tw Cen MT" panose="020B0602020104020603" pitchFamily="34" charset="0"/>
-              </a:rPr>
-              <a:t> AES-256 yang </a:t>
-            </a:r>
-            <a:r>
-              <a:rPr lang="en-US" sz="1200" dirty="0" err="1">
-                <a:latin typeface="Tw Cen MT" panose="020B0602020104020603" pitchFamily="34" charset="0"/>
-              </a:rPr>
-              <a:t>terintegrasi</a:t>
-            </a:r>
-            <a:r>
-              <a:rPr lang="en-US" sz="1200" dirty="0">
-                <a:latin typeface="Tw Cen MT" panose="020B0602020104020603" pitchFamily="34" charset="0"/>
-              </a:rPr>
-              <a:t> </a:t>
-            </a:r>
-            <a:r>
-              <a:rPr lang="en-US" sz="1200" dirty="0" err="1">
-                <a:latin typeface="Tw Cen MT" panose="020B0602020104020603" pitchFamily="34" charset="0"/>
-              </a:rPr>
-              <a:t>dengan</a:t>
-            </a:r>
-            <a:r>
-              <a:rPr lang="en-US" sz="1200" dirty="0">
-                <a:latin typeface="Tw Cen MT" panose="020B0602020104020603" pitchFamily="34" charset="0"/>
-              </a:rPr>
-              <a:t> payment gateway.</a:t>
-            </a:r>
-            <a:endParaRPr lang="en-US" sz="1200" dirty="0">
-              <a:latin typeface="Tw Cen MT" panose="020B0602020104020603" pitchFamily="34" charset="0"/>
-              <a:ea typeface="Calibri" panose="020F0502020204030204" pitchFamily="34" charset="0"/>
-            </a:endParaRPr>
-          </a:p>
-          <a:p>
-            <a:endParaRPr lang="en-ID" dirty="0"/>
-          </a:p>
-          <a:p>
-            <a:pPr marL="0" marR="0" lvl="0" indent="0" algn="l" defTabSz="914400" rtl="0" eaLnBrk="1" fontAlgn="auto" latinLnBrk="0" hangingPunct="1">
-              <a:lnSpc>
-                <a:spcPct val="100000"/>
-              </a:lnSpc>
-              <a:spcBef>
-                <a:spcPts val="0"/>
-              </a:spcBef>
-              <a:spcAft>
-                <a:spcPts val="0"/>
-              </a:spcAft>
-              <a:buClrTx/>
-              <a:buSzTx/>
-              <a:buFontTx/>
-              <a:buNone/>
-              <a:tabLst/>
-              <a:defRPr/>
-            </a:pPr>
-            <a:r>
-              <a:rPr lang="en-US" sz="1200" dirty="0" err="1">
-                <a:latin typeface="Tw Cen MT" panose="020B0602020104020603" pitchFamily="34" charset="0"/>
-              </a:rPr>
-              <a:t>Manfaat</a:t>
-            </a:r>
-            <a:r>
-              <a:rPr lang="en-US" sz="1200" dirty="0">
-                <a:latin typeface="Tw Cen MT" panose="020B0602020104020603" pitchFamily="34" charset="0"/>
-              </a:rPr>
-              <a:t> </a:t>
-            </a:r>
-            <a:r>
-              <a:rPr lang="en-US" sz="1200" dirty="0" err="1">
-                <a:latin typeface="Tw Cen MT" panose="020B0602020104020603" pitchFamily="34" charset="0"/>
-              </a:rPr>
-              <a:t>dari</a:t>
-            </a:r>
-            <a:r>
-              <a:rPr lang="en-US" sz="1200" dirty="0">
-                <a:latin typeface="Tw Cen MT" panose="020B0602020104020603" pitchFamily="34" charset="0"/>
-              </a:rPr>
-              <a:t> </a:t>
-            </a:r>
-            <a:r>
-              <a:rPr lang="en-US" sz="1200" dirty="0" err="1">
-                <a:latin typeface="Tw Cen MT" panose="020B0602020104020603" pitchFamily="34" charset="0"/>
-              </a:rPr>
-              <a:t>tugas</a:t>
-            </a:r>
-            <a:r>
-              <a:rPr lang="en-US" sz="1200" dirty="0">
-                <a:latin typeface="Tw Cen MT" panose="020B0602020104020603" pitchFamily="34" charset="0"/>
-              </a:rPr>
-              <a:t> </a:t>
-            </a:r>
-            <a:r>
-              <a:rPr lang="en-US" sz="1200" dirty="0" err="1">
-                <a:latin typeface="Tw Cen MT" panose="020B0602020104020603" pitchFamily="34" charset="0"/>
-              </a:rPr>
-              <a:t>akhir</a:t>
-            </a:r>
-            <a:r>
-              <a:rPr lang="en-US" sz="1200" dirty="0">
-                <a:latin typeface="Tw Cen MT" panose="020B0602020104020603" pitchFamily="34" charset="0"/>
-              </a:rPr>
-              <a:t> </a:t>
-            </a:r>
-            <a:r>
-              <a:rPr lang="en-US" sz="1200" dirty="0" err="1">
-                <a:latin typeface="Tw Cen MT" panose="020B0602020104020603" pitchFamily="34" charset="0"/>
-              </a:rPr>
-              <a:t>ini</a:t>
-            </a:r>
-            <a:r>
-              <a:rPr lang="en-US" sz="1200" dirty="0">
-                <a:latin typeface="Tw Cen MT" panose="020B0602020104020603" pitchFamily="34" charset="0"/>
-              </a:rPr>
-              <a:t> </a:t>
-            </a:r>
-            <a:r>
-              <a:rPr lang="en-US" sz="1200" dirty="0" err="1">
-                <a:latin typeface="Tw Cen MT" panose="020B0602020104020603" pitchFamily="34" charset="0"/>
-              </a:rPr>
-              <a:t>adalah</a:t>
-            </a:r>
-            <a:r>
-              <a:rPr lang="en-US" sz="1200" dirty="0">
-                <a:latin typeface="Tw Cen MT" panose="020B0602020104020603" pitchFamily="34" charset="0"/>
-              </a:rPr>
-              <a:t> </a:t>
-            </a:r>
-            <a:r>
-              <a:rPr lang="en-US" sz="1200" dirty="0" err="1">
-                <a:latin typeface="Tw Cen MT" panose="020B0602020104020603" pitchFamily="34" charset="0"/>
-              </a:rPr>
-              <a:t>terciptanya</a:t>
-            </a:r>
-            <a:r>
-              <a:rPr lang="en-US" sz="1200" dirty="0">
-                <a:latin typeface="Tw Cen MT" panose="020B0602020104020603" pitchFamily="34" charset="0"/>
-              </a:rPr>
-              <a:t> </a:t>
-            </a:r>
-            <a:r>
-              <a:rPr lang="en-US" sz="1200" dirty="0" err="1">
-                <a:latin typeface="Tw Cen MT" panose="020B0602020104020603" pitchFamily="34" charset="0"/>
-              </a:rPr>
-              <a:t>sistem</a:t>
-            </a:r>
-            <a:r>
-              <a:rPr lang="en-US" sz="1200" dirty="0">
-                <a:latin typeface="Tw Cen MT" panose="020B0602020104020603" pitchFamily="34" charset="0"/>
-              </a:rPr>
-              <a:t> crowdfunding </a:t>
-            </a:r>
-            <a:r>
-              <a:rPr lang="en-US" sz="1200" dirty="0" err="1">
-                <a:latin typeface="Tw Cen MT" panose="020B0602020104020603" pitchFamily="34" charset="0"/>
-              </a:rPr>
-              <a:t>berbasis</a:t>
-            </a:r>
-            <a:r>
-              <a:rPr lang="en-US" sz="1200" dirty="0">
-                <a:latin typeface="Tw Cen MT" panose="020B0602020104020603" pitchFamily="34" charset="0"/>
-              </a:rPr>
-              <a:t> web yang </a:t>
-            </a:r>
-            <a:r>
-              <a:rPr lang="en-US" sz="1200" dirty="0" err="1">
-                <a:latin typeface="Tw Cen MT" panose="020B0602020104020603" pitchFamily="34" charset="0"/>
-              </a:rPr>
-              <a:t>dapat</a:t>
-            </a:r>
-            <a:r>
-              <a:rPr lang="en-US" sz="1200" dirty="0">
-                <a:latin typeface="Tw Cen MT" panose="020B0602020104020603" pitchFamily="34" charset="0"/>
-              </a:rPr>
-              <a:t> </a:t>
-            </a:r>
-            <a:r>
-              <a:rPr lang="en-US" sz="1200" dirty="0" err="1">
-                <a:latin typeface="Tw Cen MT" panose="020B0602020104020603" pitchFamily="34" charset="0"/>
-              </a:rPr>
-              <a:t>membantu</a:t>
-            </a:r>
-            <a:r>
-              <a:rPr lang="en-US" sz="1200" dirty="0">
-                <a:latin typeface="Tw Cen MT" panose="020B0602020104020603" pitchFamily="34" charset="0"/>
-              </a:rPr>
-              <a:t> </a:t>
-            </a:r>
-            <a:r>
-              <a:rPr lang="en-US" sz="1200" dirty="0" err="1">
-                <a:latin typeface="Tw Cen MT" panose="020B0602020104020603" pitchFamily="34" charset="0"/>
-              </a:rPr>
-              <a:t>penggalangan</a:t>
-            </a:r>
-            <a:r>
-              <a:rPr lang="en-US" sz="1200" dirty="0">
-                <a:latin typeface="Tw Cen MT" panose="020B0602020104020603" pitchFamily="34" charset="0"/>
-              </a:rPr>
-              <a:t> dana </a:t>
-            </a:r>
-            <a:r>
-              <a:rPr lang="en-US" sz="1200" dirty="0" err="1">
-                <a:latin typeface="Tw Cen MT" panose="020B0602020104020603" pitchFamily="34" charset="0"/>
-              </a:rPr>
-              <a:t>guna</a:t>
-            </a:r>
-            <a:r>
-              <a:rPr lang="en-US" sz="1200" dirty="0">
-                <a:latin typeface="Tw Cen MT" panose="020B0602020104020603" pitchFamily="34" charset="0"/>
-              </a:rPr>
-              <a:t> </a:t>
-            </a:r>
-            <a:r>
-              <a:rPr lang="en-US" sz="1200" dirty="0" err="1">
-                <a:latin typeface="Tw Cen MT" panose="020B0602020104020603" pitchFamily="34" charset="0"/>
-              </a:rPr>
-              <a:t>merealisasikan</a:t>
-            </a:r>
-            <a:r>
-              <a:rPr lang="en-US" sz="1200" dirty="0">
-                <a:latin typeface="Tw Cen MT" panose="020B0602020104020603" pitchFamily="34" charset="0"/>
-              </a:rPr>
-              <a:t> </a:t>
-            </a:r>
-            <a:r>
-              <a:rPr lang="en-US" sz="1200" dirty="0" err="1">
-                <a:latin typeface="Tw Cen MT" panose="020B0602020104020603" pitchFamily="34" charset="0"/>
-              </a:rPr>
-              <a:t>proyek</a:t>
-            </a:r>
-            <a:r>
-              <a:rPr lang="en-US" sz="1200" dirty="0">
-                <a:latin typeface="Tw Cen MT" panose="020B0602020104020603" pitchFamily="34" charset="0"/>
-              </a:rPr>
-              <a:t> / </a:t>
-            </a:r>
-            <a:r>
-              <a:rPr lang="en-US" sz="1200" dirty="0" err="1">
-                <a:latin typeface="Tw Cen MT" panose="020B0602020104020603" pitchFamily="34" charset="0"/>
-              </a:rPr>
-              <a:t>usaha</a:t>
-            </a:r>
-            <a:r>
-              <a:rPr lang="en-US" sz="1200" dirty="0">
-                <a:latin typeface="Tw Cen MT" panose="020B0602020104020603" pitchFamily="34" charset="0"/>
-              </a:rPr>
-              <a:t> </a:t>
-            </a:r>
-            <a:r>
-              <a:rPr lang="en-US" sz="1200" dirty="0" err="1">
-                <a:latin typeface="Tw Cen MT" panose="020B0602020104020603" pitchFamily="34" charset="0"/>
-              </a:rPr>
-              <a:t>masyarakat</a:t>
-            </a:r>
-            <a:r>
-              <a:rPr lang="en-US" sz="1200" dirty="0">
-                <a:latin typeface="Tw Cen MT" panose="020B0602020104020603" pitchFamily="34" charset="0"/>
-              </a:rPr>
-              <a:t> </a:t>
-            </a:r>
-            <a:r>
-              <a:rPr lang="en-US" sz="1200" dirty="0" err="1">
-                <a:latin typeface="Tw Cen MT" panose="020B0602020104020603" pitchFamily="34" charset="0"/>
-              </a:rPr>
-              <a:t>kecil</a:t>
-            </a:r>
-            <a:r>
-              <a:rPr lang="en-US" sz="1200" dirty="0">
-                <a:latin typeface="Tw Cen MT" panose="020B0602020104020603" pitchFamily="34" charset="0"/>
-              </a:rPr>
-              <a:t> (</a:t>
-            </a:r>
-            <a:r>
-              <a:rPr lang="en-US" sz="1200" dirty="0" err="1">
-                <a:latin typeface="Tw Cen MT" panose="020B0602020104020603" pitchFamily="34" charset="0"/>
-              </a:rPr>
-              <a:t>mikro</a:t>
-            </a:r>
-            <a:r>
-              <a:rPr lang="en-US" sz="1200" dirty="0">
-                <a:latin typeface="Tw Cen MT" panose="020B0602020104020603" pitchFamily="34" charset="0"/>
-              </a:rPr>
-              <a:t>) </a:t>
-            </a:r>
-            <a:r>
-              <a:rPr lang="en-US" sz="1200" dirty="0" err="1">
-                <a:latin typeface="Tw Cen MT" panose="020B0602020104020603" pitchFamily="34" charset="0"/>
-              </a:rPr>
-              <a:t>dengan</a:t>
-            </a:r>
-            <a:r>
-              <a:rPr lang="en-US" sz="1200" dirty="0">
-                <a:latin typeface="Tw Cen MT" panose="020B0602020104020603" pitchFamily="34" charset="0"/>
-              </a:rPr>
-              <a:t> </a:t>
-            </a:r>
-            <a:r>
-              <a:rPr lang="en-US" sz="1200" dirty="0" err="1">
-                <a:latin typeface="Tw Cen MT" panose="020B0602020104020603" pitchFamily="34" charset="0"/>
-              </a:rPr>
-              <a:t>sistem</a:t>
-            </a:r>
-            <a:r>
-              <a:rPr lang="en-US" sz="1200" dirty="0">
-                <a:latin typeface="Tw Cen MT" panose="020B0602020104020603" pitchFamily="34" charset="0"/>
-              </a:rPr>
-              <a:t> </a:t>
-            </a:r>
-            <a:r>
-              <a:rPr lang="en-US" sz="1200" dirty="0" err="1">
-                <a:latin typeface="Tw Cen MT" panose="020B0602020104020603" pitchFamily="34" charset="0"/>
-              </a:rPr>
-              <a:t>bagi</a:t>
-            </a:r>
-            <a:r>
-              <a:rPr lang="en-US" sz="1200" dirty="0">
-                <a:latin typeface="Tw Cen MT" panose="020B0602020104020603" pitchFamily="34" charset="0"/>
-              </a:rPr>
-              <a:t> </a:t>
-            </a:r>
-            <a:r>
-              <a:rPr lang="en-US" sz="1200" dirty="0" err="1">
-                <a:latin typeface="Tw Cen MT" panose="020B0602020104020603" pitchFamily="34" charset="0"/>
-              </a:rPr>
-              <a:t>hasil</a:t>
-            </a:r>
-            <a:r>
-              <a:rPr lang="en-US" sz="1200" dirty="0">
-                <a:latin typeface="Tw Cen MT" panose="020B0602020104020603" pitchFamily="34" charset="0"/>
-              </a:rPr>
-              <a:t> </a:t>
-            </a:r>
-            <a:r>
-              <a:rPr lang="en-US" sz="1200" dirty="0" err="1">
-                <a:latin typeface="Tw Cen MT" panose="020B0602020104020603" pitchFamily="34" charset="0"/>
-              </a:rPr>
-              <a:t>berbasis</a:t>
-            </a:r>
-            <a:r>
-              <a:rPr lang="en-US" sz="1200" dirty="0">
-                <a:latin typeface="Tw Cen MT" panose="020B0602020104020603" pitchFamily="34" charset="0"/>
-              </a:rPr>
-              <a:t> </a:t>
-            </a:r>
-            <a:r>
-              <a:rPr lang="en-US" sz="1200" dirty="0" err="1">
-                <a:latin typeface="Tw Cen MT" panose="020B0602020104020603" pitchFamily="34" charset="0"/>
-              </a:rPr>
-              <a:t>syariah</a:t>
-            </a:r>
-            <a:endParaRPr lang="en-US" sz="1200" dirty="0">
-              <a:latin typeface="Tw Cen MT" panose="020B0602020104020603" pitchFamily="34" charset="0"/>
-            </a:endParaRPr>
-          </a:p>
-          <a:p>
             <a:endParaRPr lang="en-ID" dirty="0"/>
           </a:p>
         </p:txBody>
@@ -15069,855 +13400,6 @@
         <p:txBody>
           <a:bodyPr/>
           <a:lstStyle/>
-          <a:p>
-            <a:pPr lvl="0"/>
-            <a:r>
-              <a:rPr lang="en-US" sz="1200" kern="1200" dirty="0">
-                <a:solidFill>
-                  <a:schemeClr val="tx1"/>
-                </a:solidFill>
-                <a:effectLst/>
-                <a:latin typeface="+mn-lt"/>
-                <a:ea typeface="+mn-ea"/>
-                <a:cs typeface="+mn-cs"/>
-              </a:rPr>
-              <a:t>1.Pengguna </a:t>
-            </a:r>
-            <a:r>
-              <a:rPr lang="en-US" sz="1200" kern="1200" dirty="0" err="1">
-                <a:solidFill>
-                  <a:schemeClr val="tx1"/>
-                </a:solidFill>
-                <a:effectLst/>
-                <a:latin typeface="+mn-lt"/>
-                <a:ea typeface="+mn-ea"/>
-                <a:cs typeface="+mn-cs"/>
-              </a:rPr>
-              <a:t>mengunggah</a:t>
-            </a:r>
-            <a:r>
-              <a:rPr lang="en-US" sz="1200" kern="1200" dirty="0">
-                <a:solidFill>
-                  <a:schemeClr val="tx1"/>
-                </a:solidFill>
-                <a:effectLst/>
-                <a:latin typeface="+mn-lt"/>
-                <a:ea typeface="+mn-ea"/>
-                <a:cs typeface="+mn-cs"/>
-              </a:rPr>
-              <a:t> file </a:t>
-            </a:r>
-            <a:r>
-              <a:rPr lang="en-US" sz="1200" kern="1200" dirty="0" err="1">
-                <a:solidFill>
-                  <a:schemeClr val="tx1"/>
-                </a:solidFill>
-                <a:effectLst/>
-                <a:latin typeface="+mn-lt"/>
-                <a:ea typeface="+mn-ea"/>
-                <a:cs typeface="+mn-cs"/>
-              </a:rPr>
-              <a:t>ke</a:t>
-            </a:r>
-            <a:r>
-              <a:rPr lang="en-US" sz="1200" kern="1200" dirty="0">
-                <a:solidFill>
-                  <a:schemeClr val="tx1"/>
-                </a:solidFill>
-                <a:effectLst/>
-                <a:latin typeface="+mn-lt"/>
-                <a:ea typeface="+mn-ea"/>
-                <a:cs typeface="+mn-cs"/>
-              </a:rPr>
-              <a:t> </a:t>
-            </a:r>
-            <a:r>
-              <a:rPr lang="en-US" sz="1200" kern="1200" dirty="0" err="1">
-                <a:solidFill>
-                  <a:schemeClr val="tx1"/>
-                </a:solidFill>
-                <a:effectLst/>
-                <a:latin typeface="+mn-lt"/>
-                <a:ea typeface="+mn-ea"/>
-                <a:cs typeface="+mn-cs"/>
-              </a:rPr>
-              <a:t>sistem</a:t>
-            </a:r>
-            <a:endParaRPr lang="en-US" sz="1200" kern="1200" dirty="0">
-              <a:solidFill>
-                <a:schemeClr val="tx1"/>
-              </a:solidFill>
-              <a:effectLst/>
-              <a:latin typeface="+mn-lt"/>
-              <a:ea typeface="+mn-ea"/>
-              <a:cs typeface="+mn-cs"/>
-            </a:endParaRPr>
-          </a:p>
-          <a:p>
-            <a:pPr lvl="0"/>
-            <a:r>
-              <a:rPr lang="en-US" sz="1200" kern="1200" dirty="0">
-                <a:solidFill>
-                  <a:schemeClr val="tx1"/>
-                </a:solidFill>
-                <a:effectLst/>
-                <a:latin typeface="+mn-lt"/>
-                <a:ea typeface="+mn-ea"/>
-                <a:cs typeface="+mn-cs"/>
-              </a:rPr>
-              <a:t>2.Pengguna </a:t>
-            </a:r>
-            <a:r>
-              <a:rPr lang="en-US" sz="1200" kern="1200" dirty="0" err="1">
-                <a:solidFill>
-                  <a:schemeClr val="tx1"/>
-                </a:solidFill>
-                <a:effectLst/>
-                <a:latin typeface="+mn-lt"/>
-                <a:ea typeface="+mn-ea"/>
-                <a:cs typeface="+mn-cs"/>
-              </a:rPr>
-              <a:t>mengunduh</a:t>
-            </a:r>
-            <a:r>
-              <a:rPr lang="en-US" sz="1200" kern="1200" dirty="0">
-                <a:solidFill>
-                  <a:schemeClr val="tx1"/>
-                </a:solidFill>
-                <a:effectLst/>
-                <a:latin typeface="+mn-lt"/>
-                <a:ea typeface="+mn-ea"/>
-                <a:cs typeface="+mn-cs"/>
-              </a:rPr>
-              <a:t> file </a:t>
-            </a:r>
-            <a:r>
-              <a:rPr lang="en-US" sz="1200" kern="1200" dirty="0" err="1">
-                <a:solidFill>
-                  <a:schemeClr val="tx1"/>
-                </a:solidFill>
-                <a:effectLst/>
-                <a:latin typeface="+mn-lt"/>
-                <a:ea typeface="+mn-ea"/>
-                <a:cs typeface="+mn-cs"/>
-              </a:rPr>
-              <a:t>dari</a:t>
-            </a:r>
-            <a:r>
-              <a:rPr lang="en-US" sz="1200" kern="1200" dirty="0">
-                <a:solidFill>
-                  <a:schemeClr val="tx1"/>
-                </a:solidFill>
-                <a:effectLst/>
-                <a:latin typeface="+mn-lt"/>
-                <a:ea typeface="+mn-ea"/>
-                <a:cs typeface="+mn-cs"/>
-              </a:rPr>
-              <a:t> </a:t>
-            </a:r>
-            <a:r>
-              <a:rPr lang="en-US" sz="1200" kern="1200" dirty="0" err="1">
-                <a:solidFill>
-                  <a:schemeClr val="tx1"/>
-                </a:solidFill>
-                <a:effectLst/>
-                <a:latin typeface="+mn-lt"/>
-                <a:ea typeface="+mn-ea"/>
-                <a:cs typeface="+mn-cs"/>
-              </a:rPr>
-              <a:t>sistem</a:t>
-            </a:r>
-            <a:endParaRPr lang="en-US" sz="1200" kern="1200" dirty="0">
-              <a:solidFill>
-                <a:schemeClr val="tx1"/>
-              </a:solidFill>
-              <a:effectLst/>
-              <a:latin typeface="+mn-lt"/>
-              <a:ea typeface="+mn-ea"/>
-              <a:cs typeface="+mn-cs"/>
-            </a:endParaRPr>
-          </a:p>
-          <a:p>
-            <a:pPr lvl="0"/>
-            <a:r>
-              <a:rPr lang="en-US" sz="1200" kern="1200" dirty="0">
-                <a:solidFill>
-                  <a:schemeClr val="tx1"/>
-                </a:solidFill>
-                <a:effectLst/>
-                <a:latin typeface="+mn-lt"/>
-                <a:ea typeface="+mn-ea"/>
-                <a:cs typeface="+mn-cs"/>
-              </a:rPr>
-              <a:t>3.Server </a:t>
-            </a:r>
-            <a:r>
-              <a:rPr lang="en-US" sz="1200" kern="1200" dirty="0" err="1">
-                <a:solidFill>
-                  <a:schemeClr val="tx1"/>
-                </a:solidFill>
-                <a:effectLst/>
-                <a:latin typeface="+mn-lt"/>
-                <a:ea typeface="+mn-ea"/>
-                <a:cs typeface="+mn-cs"/>
-              </a:rPr>
-              <a:t>aplikasi</a:t>
-            </a:r>
-            <a:r>
-              <a:rPr lang="en-US" sz="1200" kern="1200" dirty="0">
-                <a:solidFill>
-                  <a:schemeClr val="tx1"/>
-                </a:solidFill>
-                <a:effectLst/>
-                <a:latin typeface="+mn-lt"/>
-                <a:ea typeface="+mn-ea"/>
-                <a:cs typeface="+mn-cs"/>
-              </a:rPr>
-              <a:t> </a:t>
-            </a:r>
-            <a:r>
-              <a:rPr lang="en-US" sz="1200" kern="1200" dirty="0" err="1">
-                <a:solidFill>
-                  <a:schemeClr val="tx1"/>
-                </a:solidFill>
-                <a:effectLst/>
-                <a:latin typeface="+mn-lt"/>
-                <a:ea typeface="+mn-ea"/>
-                <a:cs typeface="+mn-cs"/>
-              </a:rPr>
-              <a:t>menyimpan</a:t>
-            </a:r>
-            <a:r>
-              <a:rPr lang="en-US" sz="1200" kern="1200" dirty="0">
-                <a:solidFill>
-                  <a:schemeClr val="tx1"/>
-                </a:solidFill>
-                <a:effectLst/>
-                <a:latin typeface="+mn-lt"/>
-                <a:ea typeface="+mn-ea"/>
-                <a:cs typeface="+mn-cs"/>
-              </a:rPr>
-              <a:t> data di server basis data</a:t>
-            </a:r>
-          </a:p>
-          <a:p>
-            <a:pPr lvl="0"/>
-            <a:r>
-              <a:rPr lang="en-US" sz="1200" kern="1200" dirty="0">
-                <a:solidFill>
-                  <a:schemeClr val="tx1"/>
-                </a:solidFill>
-                <a:effectLst/>
-                <a:latin typeface="+mn-lt"/>
-                <a:ea typeface="+mn-ea"/>
-                <a:cs typeface="+mn-cs"/>
-              </a:rPr>
-              <a:t>4.Server basis data </a:t>
-            </a:r>
-            <a:r>
-              <a:rPr lang="en-US" sz="1200" kern="1200" dirty="0" err="1">
-                <a:solidFill>
-                  <a:schemeClr val="tx1"/>
-                </a:solidFill>
-                <a:effectLst/>
-                <a:latin typeface="+mn-lt"/>
-                <a:ea typeface="+mn-ea"/>
-                <a:cs typeface="+mn-cs"/>
-              </a:rPr>
-              <a:t>mengirim</a:t>
-            </a:r>
-            <a:r>
-              <a:rPr lang="en-US" sz="1200" kern="1200" dirty="0">
-                <a:solidFill>
-                  <a:schemeClr val="tx1"/>
-                </a:solidFill>
-                <a:effectLst/>
-                <a:latin typeface="+mn-lt"/>
-                <a:ea typeface="+mn-ea"/>
-                <a:cs typeface="+mn-cs"/>
-              </a:rPr>
-              <a:t> data </a:t>
-            </a:r>
-            <a:r>
-              <a:rPr lang="en-US" sz="1200" kern="1200" dirty="0" err="1">
-                <a:solidFill>
-                  <a:schemeClr val="tx1"/>
-                </a:solidFill>
-                <a:effectLst/>
-                <a:latin typeface="+mn-lt"/>
-                <a:ea typeface="+mn-ea"/>
-                <a:cs typeface="+mn-cs"/>
-              </a:rPr>
-              <a:t>sesuai</a:t>
-            </a:r>
-            <a:r>
-              <a:rPr lang="en-US" sz="1200" kern="1200" dirty="0">
-                <a:solidFill>
-                  <a:schemeClr val="tx1"/>
-                </a:solidFill>
-                <a:effectLst/>
-                <a:latin typeface="+mn-lt"/>
-                <a:ea typeface="+mn-ea"/>
-                <a:cs typeface="+mn-cs"/>
-              </a:rPr>
-              <a:t> </a:t>
-            </a:r>
-            <a:r>
-              <a:rPr lang="en-US" sz="1200" kern="1200" dirty="0" err="1">
-                <a:solidFill>
-                  <a:schemeClr val="tx1"/>
-                </a:solidFill>
-                <a:effectLst/>
-                <a:latin typeface="+mn-lt"/>
-                <a:ea typeface="+mn-ea"/>
-                <a:cs typeface="+mn-cs"/>
-              </a:rPr>
-              <a:t>permintaan</a:t>
-            </a:r>
-            <a:r>
-              <a:rPr lang="en-US" sz="1200" kern="1200" dirty="0">
-                <a:solidFill>
-                  <a:schemeClr val="tx1"/>
-                </a:solidFill>
-                <a:effectLst/>
-                <a:latin typeface="+mn-lt"/>
-                <a:ea typeface="+mn-ea"/>
-                <a:cs typeface="+mn-cs"/>
-              </a:rPr>
-              <a:t> server </a:t>
-            </a:r>
-            <a:r>
-              <a:rPr lang="en-US" sz="1200" kern="1200" dirty="0" err="1">
-                <a:solidFill>
-                  <a:schemeClr val="tx1"/>
-                </a:solidFill>
-                <a:effectLst/>
-                <a:latin typeface="+mn-lt"/>
-                <a:ea typeface="+mn-ea"/>
-                <a:cs typeface="+mn-cs"/>
-              </a:rPr>
-              <a:t>aplikasi</a:t>
-            </a:r>
-            <a:endParaRPr lang="en-US" sz="1200" kern="1200" dirty="0">
-              <a:solidFill>
-                <a:schemeClr val="tx1"/>
-              </a:solidFill>
-              <a:effectLst/>
-              <a:latin typeface="+mn-lt"/>
-              <a:ea typeface="+mn-ea"/>
-              <a:cs typeface="+mn-cs"/>
-            </a:endParaRPr>
-          </a:p>
-          <a:p>
-            <a:pPr lvl="0"/>
-            <a:r>
-              <a:rPr lang="en-US" sz="1200" kern="1200" dirty="0">
-                <a:solidFill>
-                  <a:schemeClr val="tx1"/>
-                </a:solidFill>
-                <a:effectLst/>
-                <a:latin typeface="+mn-lt"/>
-                <a:ea typeface="+mn-ea"/>
-                <a:cs typeface="+mn-cs"/>
-              </a:rPr>
-              <a:t>5.Server </a:t>
-            </a:r>
-            <a:r>
-              <a:rPr lang="en-US" sz="1200" kern="1200" dirty="0" err="1">
-                <a:solidFill>
-                  <a:schemeClr val="tx1"/>
-                </a:solidFill>
-                <a:effectLst/>
-                <a:latin typeface="+mn-lt"/>
-                <a:ea typeface="+mn-ea"/>
-                <a:cs typeface="+mn-cs"/>
-              </a:rPr>
-              <a:t>aplikasi</a:t>
-            </a:r>
-            <a:r>
-              <a:rPr lang="en-US" sz="1200" kern="1200" dirty="0">
-                <a:solidFill>
-                  <a:schemeClr val="tx1"/>
-                </a:solidFill>
-                <a:effectLst/>
-                <a:latin typeface="+mn-lt"/>
-                <a:ea typeface="+mn-ea"/>
-                <a:cs typeface="+mn-cs"/>
-              </a:rPr>
-              <a:t> </a:t>
-            </a:r>
-            <a:r>
-              <a:rPr lang="en-US" sz="1200" kern="1200" dirty="0" err="1">
-                <a:solidFill>
-                  <a:schemeClr val="tx1"/>
-                </a:solidFill>
-                <a:effectLst/>
-                <a:latin typeface="+mn-lt"/>
-                <a:ea typeface="+mn-ea"/>
-                <a:cs typeface="+mn-cs"/>
-              </a:rPr>
-              <a:t>mengirim</a:t>
-            </a:r>
-            <a:r>
-              <a:rPr lang="en-US" sz="1200" kern="1200" dirty="0">
-                <a:solidFill>
-                  <a:schemeClr val="tx1"/>
-                </a:solidFill>
-                <a:effectLst/>
-                <a:latin typeface="+mn-lt"/>
-                <a:ea typeface="+mn-ea"/>
-                <a:cs typeface="+mn-cs"/>
-              </a:rPr>
-              <a:t> file </a:t>
-            </a:r>
-            <a:r>
-              <a:rPr lang="en-US" sz="1200" kern="1200" dirty="0" err="1">
-                <a:solidFill>
-                  <a:schemeClr val="tx1"/>
-                </a:solidFill>
-                <a:effectLst/>
-                <a:latin typeface="+mn-lt"/>
-                <a:ea typeface="+mn-ea"/>
-                <a:cs typeface="+mn-cs"/>
-              </a:rPr>
-              <a:t>terenkripsi</a:t>
-            </a:r>
-            <a:r>
-              <a:rPr lang="en-US" sz="1200" kern="1200" dirty="0">
-                <a:solidFill>
-                  <a:schemeClr val="tx1"/>
-                </a:solidFill>
-                <a:effectLst/>
-                <a:latin typeface="+mn-lt"/>
-                <a:ea typeface="+mn-ea"/>
-                <a:cs typeface="+mn-cs"/>
-              </a:rPr>
-              <a:t> </a:t>
-            </a:r>
-            <a:r>
-              <a:rPr lang="en-US" sz="1200" kern="1200" dirty="0" err="1">
-                <a:solidFill>
-                  <a:schemeClr val="tx1"/>
-                </a:solidFill>
-                <a:effectLst/>
-                <a:latin typeface="+mn-lt"/>
-                <a:ea typeface="+mn-ea"/>
-                <a:cs typeface="+mn-cs"/>
-              </a:rPr>
-              <a:t>ke</a:t>
-            </a:r>
-            <a:r>
-              <a:rPr lang="en-US" sz="1200" kern="1200" dirty="0">
-                <a:solidFill>
-                  <a:schemeClr val="tx1"/>
-                </a:solidFill>
-                <a:effectLst/>
-                <a:latin typeface="+mn-lt"/>
-                <a:ea typeface="+mn-ea"/>
-                <a:cs typeface="+mn-cs"/>
-              </a:rPr>
-              <a:t> server backup </a:t>
-            </a:r>
-            <a:r>
-              <a:rPr lang="en-US" sz="1200" kern="1200" dirty="0" err="1">
-                <a:solidFill>
-                  <a:schemeClr val="tx1"/>
-                </a:solidFill>
-                <a:effectLst/>
-                <a:latin typeface="+mn-lt"/>
-                <a:ea typeface="+mn-ea"/>
-                <a:cs typeface="+mn-cs"/>
-              </a:rPr>
-              <a:t>sebagai</a:t>
-            </a:r>
-            <a:r>
-              <a:rPr lang="en-US" sz="1200" kern="1200" dirty="0">
-                <a:solidFill>
-                  <a:schemeClr val="tx1"/>
-                </a:solidFill>
-                <a:effectLst/>
-                <a:latin typeface="+mn-lt"/>
-                <a:ea typeface="+mn-ea"/>
-                <a:cs typeface="+mn-cs"/>
-              </a:rPr>
-              <a:t> data </a:t>
-            </a:r>
-            <a:r>
-              <a:rPr lang="en-US" sz="1200" kern="1200" dirty="0" err="1">
-                <a:solidFill>
-                  <a:schemeClr val="tx1"/>
-                </a:solidFill>
-                <a:effectLst/>
-                <a:latin typeface="+mn-lt"/>
-                <a:ea typeface="+mn-ea"/>
-                <a:cs typeface="+mn-cs"/>
-              </a:rPr>
-              <a:t>cadangan</a:t>
-            </a:r>
-            <a:endParaRPr lang="en-US" sz="1200" kern="1200" dirty="0">
-              <a:solidFill>
-                <a:schemeClr val="tx1"/>
-              </a:solidFill>
-              <a:effectLst/>
-              <a:latin typeface="+mn-lt"/>
-              <a:ea typeface="+mn-ea"/>
-              <a:cs typeface="+mn-cs"/>
-            </a:endParaRPr>
-          </a:p>
-          <a:p>
-            <a:pPr lvl="0"/>
-            <a:r>
-              <a:rPr lang="en-US" sz="1200" kern="1200" dirty="0">
-                <a:solidFill>
-                  <a:schemeClr val="tx1"/>
-                </a:solidFill>
-                <a:effectLst/>
-                <a:latin typeface="+mn-lt"/>
-                <a:ea typeface="+mn-ea"/>
-                <a:cs typeface="+mn-cs"/>
-              </a:rPr>
-              <a:t>6.Server backup </a:t>
-            </a:r>
-            <a:r>
-              <a:rPr lang="en-US" sz="1200" kern="1200" dirty="0" err="1">
-                <a:solidFill>
-                  <a:schemeClr val="tx1"/>
-                </a:solidFill>
-                <a:effectLst/>
-                <a:latin typeface="+mn-lt"/>
-                <a:ea typeface="+mn-ea"/>
-                <a:cs typeface="+mn-cs"/>
-              </a:rPr>
-              <a:t>mengirim</a:t>
-            </a:r>
-            <a:r>
-              <a:rPr lang="en-US" sz="1200" kern="1200" dirty="0">
-                <a:solidFill>
-                  <a:schemeClr val="tx1"/>
-                </a:solidFill>
-                <a:effectLst/>
-                <a:latin typeface="+mn-lt"/>
-                <a:ea typeface="+mn-ea"/>
-                <a:cs typeface="+mn-cs"/>
-              </a:rPr>
-              <a:t> file </a:t>
-            </a:r>
-            <a:r>
-              <a:rPr lang="en-US" sz="1200" kern="1200" dirty="0" err="1">
-                <a:solidFill>
-                  <a:schemeClr val="tx1"/>
-                </a:solidFill>
-                <a:effectLst/>
-                <a:latin typeface="+mn-lt"/>
-                <a:ea typeface="+mn-ea"/>
-                <a:cs typeface="+mn-cs"/>
-              </a:rPr>
-              <a:t>terenkripsi</a:t>
-            </a:r>
-            <a:r>
-              <a:rPr lang="en-US" sz="1200" kern="1200" dirty="0">
-                <a:solidFill>
-                  <a:schemeClr val="tx1"/>
-                </a:solidFill>
-                <a:effectLst/>
-                <a:latin typeface="+mn-lt"/>
-                <a:ea typeface="+mn-ea"/>
-                <a:cs typeface="+mn-cs"/>
-              </a:rPr>
-              <a:t> </a:t>
-            </a:r>
-            <a:r>
-              <a:rPr lang="en-US" sz="1200" kern="1200" dirty="0" err="1">
-                <a:solidFill>
-                  <a:schemeClr val="tx1"/>
-                </a:solidFill>
-                <a:effectLst/>
-                <a:latin typeface="+mn-lt"/>
-                <a:ea typeface="+mn-ea"/>
-                <a:cs typeface="+mn-cs"/>
-              </a:rPr>
-              <a:t>ke</a:t>
-            </a:r>
-            <a:r>
-              <a:rPr lang="en-US" sz="1200" kern="1200" dirty="0">
-                <a:solidFill>
-                  <a:schemeClr val="tx1"/>
-                </a:solidFill>
-                <a:effectLst/>
-                <a:latin typeface="+mn-lt"/>
-                <a:ea typeface="+mn-ea"/>
-                <a:cs typeface="+mn-cs"/>
-              </a:rPr>
-              <a:t> server </a:t>
-            </a:r>
-            <a:r>
-              <a:rPr lang="en-US" sz="1200" kern="1200" dirty="0" err="1">
-                <a:solidFill>
-                  <a:schemeClr val="tx1"/>
-                </a:solidFill>
-                <a:effectLst/>
-                <a:latin typeface="+mn-lt"/>
-                <a:ea typeface="+mn-ea"/>
-                <a:cs typeface="+mn-cs"/>
-              </a:rPr>
-              <a:t>aplikasi</a:t>
-            </a:r>
-            <a:r>
-              <a:rPr lang="en-US" sz="1200" kern="1200" dirty="0">
-                <a:solidFill>
-                  <a:schemeClr val="tx1"/>
-                </a:solidFill>
-                <a:effectLst/>
-                <a:latin typeface="+mn-lt"/>
-                <a:ea typeface="+mn-ea"/>
-                <a:cs typeface="+mn-cs"/>
-              </a:rPr>
-              <a:t> </a:t>
-            </a:r>
-            <a:r>
-              <a:rPr lang="en-US" sz="1200" kern="1200" dirty="0" err="1">
-                <a:solidFill>
-                  <a:schemeClr val="tx1"/>
-                </a:solidFill>
-                <a:effectLst/>
-                <a:latin typeface="+mn-lt"/>
-                <a:ea typeface="+mn-ea"/>
-                <a:cs typeface="+mn-cs"/>
-              </a:rPr>
-              <a:t>untuk</a:t>
-            </a:r>
-            <a:r>
-              <a:rPr lang="en-US" sz="1200" kern="1200" dirty="0">
-                <a:solidFill>
-                  <a:schemeClr val="tx1"/>
-                </a:solidFill>
-                <a:effectLst/>
-                <a:latin typeface="+mn-lt"/>
-                <a:ea typeface="+mn-ea"/>
-                <a:cs typeface="+mn-cs"/>
-              </a:rPr>
-              <a:t> agar data yang </a:t>
-            </a:r>
-            <a:r>
-              <a:rPr lang="en-US" sz="1200" kern="1200" dirty="0" err="1">
-                <a:solidFill>
-                  <a:schemeClr val="tx1"/>
-                </a:solidFill>
-                <a:effectLst/>
-                <a:latin typeface="+mn-lt"/>
-                <a:ea typeface="+mn-ea"/>
-                <a:cs typeface="+mn-cs"/>
-              </a:rPr>
-              <a:t>ada</a:t>
-            </a:r>
-            <a:r>
-              <a:rPr lang="en-US" sz="1200" kern="1200" dirty="0">
-                <a:solidFill>
-                  <a:schemeClr val="tx1"/>
-                </a:solidFill>
-                <a:effectLst/>
-                <a:latin typeface="+mn-lt"/>
-                <a:ea typeface="+mn-ea"/>
-                <a:cs typeface="+mn-cs"/>
-              </a:rPr>
-              <a:t> pada server </a:t>
-            </a:r>
-            <a:r>
-              <a:rPr lang="en-US" sz="1200" kern="1200" dirty="0" err="1">
-                <a:solidFill>
-                  <a:schemeClr val="tx1"/>
-                </a:solidFill>
-                <a:effectLst/>
-                <a:latin typeface="+mn-lt"/>
-                <a:ea typeface="+mn-ea"/>
-                <a:cs typeface="+mn-cs"/>
-              </a:rPr>
-              <a:t>aplikasi</a:t>
-            </a:r>
-            <a:r>
-              <a:rPr lang="en-US" sz="1200" kern="1200" dirty="0">
-                <a:solidFill>
-                  <a:schemeClr val="tx1"/>
-                </a:solidFill>
-                <a:effectLst/>
-                <a:latin typeface="+mn-lt"/>
-                <a:ea typeface="+mn-ea"/>
-                <a:cs typeface="+mn-cs"/>
-              </a:rPr>
-              <a:t> </a:t>
-            </a:r>
-            <a:r>
-              <a:rPr lang="en-US" sz="1200" kern="1200" dirty="0" err="1">
-                <a:solidFill>
-                  <a:schemeClr val="tx1"/>
-                </a:solidFill>
-                <a:effectLst/>
-                <a:latin typeface="+mn-lt"/>
-                <a:ea typeface="+mn-ea"/>
-                <a:cs typeface="+mn-cs"/>
-              </a:rPr>
-              <a:t>adalah</a:t>
-            </a:r>
-            <a:r>
-              <a:rPr lang="en-US" sz="1200" kern="1200" dirty="0">
-                <a:solidFill>
-                  <a:schemeClr val="tx1"/>
-                </a:solidFill>
-                <a:effectLst/>
-                <a:latin typeface="+mn-lt"/>
-                <a:ea typeface="+mn-ea"/>
-                <a:cs typeface="+mn-cs"/>
-              </a:rPr>
-              <a:t> data file yang </a:t>
-            </a:r>
-            <a:r>
-              <a:rPr lang="en-US" sz="1200" kern="1200" dirty="0" err="1">
-                <a:solidFill>
-                  <a:schemeClr val="tx1"/>
-                </a:solidFill>
-                <a:effectLst/>
-                <a:latin typeface="+mn-lt"/>
-                <a:ea typeface="+mn-ea"/>
-                <a:cs typeface="+mn-cs"/>
-              </a:rPr>
-              <a:t>benar</a:t>
-            </a:r>
-            <a:endParaRPr lang="en-US" sz="1200" kern="1200" dirty="0">
-              <a:solidFill>
-                <a:schemeClr val="tx1"/>
-              </a:solidFill>
-              <a:effectLst/>
-              <a:latin typeface="+mn-lt"/>
-              <a:ea typeface="+mn-ea"/>
-              <a:cs typeface="+mn-cs"/>
-            </a:endParaRPr>
-          </a:p>
-          <a:p>
-            <a:pPr lvl="0"/>
-            <a:r>
-              <a:rPr lang="en-US" sz="1200" kern="1200" dirty="0">
-                <a:solidFill>
-                  <a:schemeClr val="tx1"/>
-                </a:solidFill>
-                <a:effectLst/>
-                <a:latin typeface="+mn-lt"/>
-                <a:ea typeface="+mn-ea"/>
-                <a:cs typeface="+mn-cs"/>
-              </a:rPr>
-              <a:t>7.Server backup </a:t>
-            </a:r>
-            <a:r>
-              <a:rPr lang="en-US" sz="1200" kern="1200" dirty="0" err="1">
-                <a:solidFill>
-                  <a:schemeClr val="tx1"/>
-                </a:solidFill>
-                <a:effectLst/>
-                <a:latin typeface="+mn-lt"/>
-                <a:ea typeface="+mn-ea"/>
-                <a:cs typeface="+mn-cs"/>
-              </a:rPr>
-              <a:t>menyimpan</a:t>
-            </a:r>
-            <a:r>
-              <a:rPr lang="en-US" sz="1200" kern="1200" dirty="0">
-                <a:solidFill>
-                  <a:schemeClr val="tx1"/>
-                </a:solidFill>
-                <a:effectLst/>
-                <a:latin typeface="+mn-lt"/>
-                <a:ea typeface="+mn-ea"/>
-                <a:cs typeface="+mn-cs"/>
-              </a:rPr>
-              <a:t> data di server basis data</a:t>
-            </a:r>
-          </a:p>
-          <a:p>
-            <a:pPr lvl="0"/>
-            <a:r>
-              <a:rPr lang="en-US" sz="1200" kern="1200" dirty="0">
-                <a:solidFill>
-                  <a:schemeClr val="tx1"/>
-                </a:solidFill>
-                <a:effectLst/>
-                <a:latin typeface="+mn-lt"/>
-                <a:ea typeface="+mn-ea"/>
-                <a:cs typeface="+mn-cs"/>
-              </a:rPr>
-              <a:t>8.Server basis data </a:t>
-            </a:r>
-            <a:r>
-              <a:rPr lang="en-US" sz="1200" kern="1200" dirty="0" err="1">
-                <a:solidFill>
-                  <a:schemeClr val="tx1"/>
-                </a:solidFill>
-                <a:effectLst/>
-                <a:latin typeface="+mn-lt"/>
-                <a:ea typeface="+mn-ea"/>
-                <a:cs typeface="+mn-cs"/>
-              </a:rPr>
-              <a:t>mengirim</a:t>
-            </a:r>
-            <a:r>
-              <a:rPr lang="en-US" sz="1200" kern="1200" dirty="0">
-                <a:solidFill>
-                  <a:schemeClr val="tx1"/>
-                </a:solidFill>
-                <a:effectLst/>
-                <a:latin typeface="+mn-lt"/>
-                <a:ea typeface="+mn-ea"/>
-                <a:cs typeface="+mn-cs"/>
-              </a:rPr>
-              <a:t> data </a:t>
-            </a:r>
-            <a:r>
-              <a:rPr lang="en-US" sz="1200" kern="1200" dirty="0" err="1">
-                <a:solidFill>
-                  <a:schemeClr val="tx1"/>
-                </a:solidFill>
-                <a:effectLst/>
-                <a:latin typeface="+mn-lt"/>
-                <a:ea typeface="+mn-ea"/>
-                <a:cs typeface="+mn-cs"/>
-              </a:rPr>
-              <a:t>sesuai</a:t>
-            </a:r>
-            <a:r>
-              <a:rPr lang="en-US" sz="1200" kern="1200" dirty="0">
-                <a:solidFill>
-                  <a:schemeClr val="tx1"/>
-                </a:solidFill>
-                <a:effectLst/>
-                <a:latin typeface="+mn-lt"/>
-                <a:ea typeface="+mn-ea"/>
-                <a:cs typeface="+mn-cs"/>
-              </a:rPr>
-              <a:t> </a:t>
-            </a:r>
-            <a:r>
-              <a:rPr lang="en-US" sz="1200" kern="1200" dirty="0" err="1">
-                <a:solidFill>
-                  <a:schemeClr val="tx1"/>
-                </a:solidFill>
-                <a:effectLst/>
-                <a:latin typeface="+mn-lt"/>
-                <a:ea typeface="+mn-ea"/>
-                <a:cs typeface="+mn-cs"/>
-              </a:rPr>
-              <a:t>permintaan</a:t>
-            </a:r>
-            <a:r>
-              <a:rPr lang="en-US" sz="1200" kern="1200" dirty="0">
-                <a:solidFill>
-                  <a:schemeClr val="tx1"/>
-                </a:solidFill>
-                <a:effectLst/>
-                <a:latin typeface="+mn-lt"/>
-                <a:ea typeface="+mn-ea"/>
-                <a:cs typeface="+mn-cs"/>
-              </a:rPr>
-              <a:t> server backup</a:t>
-            </a:r>
-          </a:p>
           <a:p>
             <a:endParaRPr lang="en-US" dirty="0"/>
           </a:p>
@@ -16100,114 +13582,6 @@
               <a:buFont typeface="Arial" panose="020B0604020202020204" pitchFamily="34" charset="0"/>
               <a:buAutoNum type="arabicPeriod"/>
             </a:pPr>
-            <a:r>
-              <a:rPr lang="en-US" sz="1200" b="1" dirty="0">
-                <a:latin typeface="Tw Cen MT" panose="020B0602020104020603" pitchFamily="34" charset="0"/>
-              </a:rPr>
-              <a:t>User upload file</a:t>
-            </a:r>
-          </a:p>
-          <a:p>
-            <a:pPr marL="228600" indent="-228600">
-              <a:buFont typeface="Arial" panose="020B0604020202020204" pitchFamily="34" charset="0"/>
-              <a:buAutoNum type="arabicPeriod"/>
-            </a:pPr>
-            <a:r>
-              <a:rPr lang="en-US" sz="1200" b="1" dirty="0">
-                <a:latin typeface="Tw Cen MT" panose="020B0602020104020603" pitchFamily="34" charset="0"/>
-              </a:rPr>
-              <a:t>Server </a:t>
-            </a:r>
-            <a:r>
-              <a:rPr lang="en-US" sz="1200" b="1" dirty="0" err="1">
-                <a:latin typeface="Tw Cen MT" panose="020B0602020104020603" pitchFamily="34" charset="0"/>
-              </a:rPr>
-              <a:t>aplikasi</a:t>
-            </a:r>
-            <a:r>
-              <a:rPr lang="en-US" sz="1200" b="1" dirty="0">
-                <a:latin typeface="Tw Cen MT" panose="020B0602020104020603" pitchFamily="34" charset="0"/>
-              </a:rPr>
-              <a:t> </a:t>
-            </a:r>
-            <a:r>
-              <a:rPr lang="en-US" sz="1200" b="1" dirty="0" err="1">
-                <a:latin typeface="Tw Cen MT" panose="020B0602020104020603" pitchFamily="34" charset="0"/>
-              </a:rPr>
-              <a:t>enkrip</a:t>
-            </a:r>
-            <a:r>
-              <a:rPr lang="en-US" sz="1200" b="1" dirty="0">
-                <a:latin typeface="Tw Cen MT" panose="020B0602020104020603" pitchFamily="34" charset="0"/>
-              </a:rPr>
-              <a:t> file</a:t>
-            </a:r>
-          </a:p>
-          <a:p>
-            <a:pPr marL="228600" indent="-228600">
-              <a:buFont typeface="Arial" panose="020B0604020202020204" pitchFamily="34" charset="0"/>
-              <a:buAutoNum type="arabicPeriod"/>
-            </a:pPr>
-            <a:r>
-              <a:rPr lang="en-US" sz="1200" b="1" dirty="0">
-                <a:latin typeface="Tw Cen MT" panose="020B0602020104020603" pitchFamily="34" charset="0"/>
-              </a:rPr>
-              <a:t>File </a:t>
-            </a:r>
-            <a:r>
-              <a:rPr lang="en-US" sz="1200" b="1" dirty="0" err="1">
-                <a:latin typeface="Tw Cen MT" panose="020B0602020104020603" pitchFamily="34" charset="0"/>
-              </a:rPr>
-              <a:t>disimpan</a:t>
-            </a:r>
-            <a:r>
-              <a:rPr lang="en-US" sz="1200" b="1" dirty="0">
-                <a:latin typeface="Tw Cen MT" panose="020B0602020104020603" pitchFamily="34" charset="0"/>
-              </a:rPr>
-              <a:t> di server </a:t>
-            </a:r>
-            <a:r>
-              <a:rPr lang="en-US" sz="1200" b="1" dirty="0" err="1">
-                <a:latin typeface="Tw Cen MT" panose="020B0602020104020603" pitchFamily="34" charset="0"/>
-              </a:rPr>
-              <a:t>aplikasi</a:t>
-            </a:r>
-            <a:r>
-              <a:rPr lang="en-US" sz="1200" b="1" dirty="0">
-                <a:latin typeface="Tw Cen MT" panose="020B0602020104020603" pitchFamily="34" charset="0"/>
-              </a:rPr>
-              <a:t> dan server backup</a:t>
-            </a:r>
-          </a:p>
-          <a:p>
-            <a:pPr marL="228600" indent="-228600">
-              <a:buFont typeface="Arial" panose="020B0604020202020204" pitchFamily="34" charset="0"/>
-              <a:buAutoNum type="arabicPeriod"/>
-            </a:pPr>
-            <a:r>
-              <a:rPr lang="en-US" sz="1200" b="1" dirty="0">
-                <a:latin typeface="Tw Cen MT" panose="020B0602020104020603" pitchFamily="34" charset="0"/>
-              </a:rPr>
-              <a:t>Generate hash key</a:t>
-            </a:r>
-          </a:p>
-          <a:p>
-            <a:pPr marL="228600" indent="-228600">
-              <a:buFont typeface="Arial" panose="020B0604020202020204" pitchFamily="34" charset="0"/>
-              <a:buAutoNum type="arabicPeriod"/>
-            </a:pPr>
-            <a:r>
-              <a:rPr lang="en-US" sz="1200" b="1" dirty="0">
-                <a:latin typeface="Tw Cen MT" panose="020B0602020104020603" pitchFamily="34" charset="0"/>
-              </a:rPr>
-              <a:t>Save </a:t>
-            </a:r>
-            <a:r>
-              <a:rPr lang="en-US" sz="1200" b="1" dirty="0" err="1">
-                <a:latin typeface="Tw Cen MT" panose="020B0602020104020603" pitchFamily="34" charset="0"/>
-              </a:rPr>
-              <a:t>db</a:t>
-            </a:r>
             <a:endParaRPr lang="en-US" sz="1200" b="1" dirty="0">
               <a:latin typeface="Tw Cen MT" panose="020B0602020104020603" pitchFamily="34" charset="0"/>
             </a:endParaRPr>
@@ -16388,114 +13762,6 @@
               <a:buFont typeface="Arial" panose="020B0604020202020204" pitchFamily="34" charset="0"/>
               <a:buAutoNum type="arabicPeriod"/>
             </a:pPr>
-            <a:r>
-              <a:rPr lang="en-US" sz="1200" b="1" dirty="0">
-                <a:latin typeface="Tw Cen MT" panose="020B0602020104020603" pitchFamily="34" charset="0"/>
-              </a:rPr>
-              <a:t>User upload file</a:t>
-            </a:r>
-          </a:p>
-          <a:p>
-            <a:pPr marL="228600" indent="-228600">
-              <a:buFont typeface="Arial" panose="020B0604020202020204" pitchFamily="34" charset="0"/>
-              <a:buAutoNum type="arabicPeriod"/>
-            </a:pPr>
-            <a:r>
-              <a:rPr lang="en-US" sz="1200" b="1" dirty="0">
-                <a:latin typeface="Tw Cen MT" panose="020B0602020104020603" pitchFamily="34" charset="0"/>
-              </a:rPr>
-              <a:t>Server </a:t>
-            </a:r>
-            <a:r>
-              <a:rPr lang="en-US" sz="1200" b="1" dirty="0" err="1">
-                <a:latin typeface="Tw Cen MT" panose="020B0602020104020603" pitchFamily="34" charset="0"/>
-              </a:rPr>
-              <a:t>aplikasi</a:t>
-            </a:r>
-            <a:r>
-              <a:rPr lang="en-US" sz="1200" b="1" dirty="0">
-                <a:latin typeface="Tw Cen MT" panose="020B0602020104020603" pitchFamily="34" charset="0"/>
-              </a:rPr>
-              <a:t> </a:t>
-            </a:r>
-            <a:r>
-              <a:rPr lang="en-US" sz="1200" b="1" dirty="0" err="1">
-                <a:latin typeface="Tw Cen MT" panose="020B0602020104020603" pitchFamily="34" charset="0"/>
-              </a:rPr>
-              <a:t>enkrip</a:t>
-            </a:r>
-            <a:r>
-              <a:rPr lang="en-US" sz="1200" b="1" dirty="0">
-                <a:latin typeface="Tw Cen MT" panose="020B0602020104020603" pitchFamily="34" charset="0"/>
-              </a:rPr>
-              <a:t> file</a:t>
-            </a:r>
-          </a:p>
-          <a:p>
-            <a:pPr marL="228600" indent="-228600">
-              <a:buFont typeface="Arial" panose="020B0604020202020204" pitchFamily="34" charset="0"/>
-              <a:buAutoNum type="arabicPeriod"/>
-            </a:pPr>
-            <a:r>
-              <a:rPr lang="en-US" sz="1200" b="1" dirty="0">
-                <a:latin typeface="Tw Cen MT" panose="020B0602020104020603" pitchFamily="34" charset="0"/>
-              </a:rPr>
-              <a:t>File </a:t>
-            </a:r>
-            <a:r>
-              <a:rPr lang="en-US" sz="1200" b="1" dirty="0" err="1">
-                <a:latin typeface="Tw Cen MT" panose="020B0602020104020603" pitchFamily="34" charset="0"/>
-              </a:rPr>
-              <a:t>disimpan</a:t>
-            </a:r>
-            <a:r>
-              <a:rPr lang="en-US" sz="1200" b="1" dirty="0">
-                <a:latin typeface="Tw Cen MT" panose="020B0602020104020603" pitchFamily="34" charset="0"/>
-              </a:rPr>
-              <a:t> di server </a:t>
-            </a:r>
-            <a:r>
-              <a:rPr lang="en-US" sz="1200" b="1" dirty="0" err="1">
-                <a:latin typeface="Tw Cen MT" panose="020B0602020104020603" pitchFamily="34" charset="0"/>
-              </a:rPr>
-              <a:t>aplikasi</a:t>
-            </a:r>
-            <a:r>
-              <a:rPr lang="en-US" sz="1200" b="1" dirty="0">
-                <a:latin typeface="Tw Cen MT" panose="020B0602020104020603" pitchFamily="34" charset="0"/>
-              </a:rPr>
-              <a:t> dan server backup</a:t>
-            </a:r>
-          </a:p>
-          <a:p>
-            <a:pPr marL="228600" indent="-228600">
-              <a:buFont typeface="Arial" panose="020B0604020202020204" pitchFamily="34" charset="0"/>
-              <a:buAutoNum type="arabicPeriod"/>
-            </a:pPr>
-            <a:r>
-              <a:rPr lang="en-US" sz="1200" b="1" dirty="0">
-                <a:latin typeface="Tw Cen MT" panose="020B0602020104020603" pitchFamily="34" charset="0"/>
-              </a:rPr>
-              <a:t>Generate hash key</a:t>
-            </a:r>
-          </a:p>
-          <a:p>
-            <a:pPr marL="228600" indent="-228600">
-              <a:buFont typeface="Arial" panose="020B0604020202020204" pitchFamily="34" charset="0"/>
-              <a:buAutoNum type="arabicPeriod"/>
-            </a:pPr>
-            <a:r>
-              <a:rPr lang="en-US" sz="1200" b="1" dirty="0">
-                <a:latin typeface="Tw Cen MT" panose="020B0602020104020603" pitchFamily="34" charset="0"/>
-              </a:rPr>
-              <a:t>Save </a:t>
-            </a:r>
-            <a:r>
-              <a:rPr lang="en-US" sz="1200" b="1" dirty="0" err="1">
-                <a:latin typeface="Tw Cen MT" panose="020B0602020104020603" pitchFamily="34" charset="0"/>
-              </a:rPr>
-              <a:t>db</a:t>
-            </a:r>
             <a:endParaRPr lang="en-US" sz="1200" b="1" dirty="0">
               <a:latin typeface="Tw Cen MT" panose="020B0602020104020603" pitchFamily="34" charset="0"/>
             </a:endParaRPr>
@@ -16586,114 +13852,6 @@
               <a:buFont typeface="Arial" panose="020B0604020202020204" pitchFamily="34" charset="0"/>
               <a:buAutoNum type="arabicPeriod"/>
             </a:pPr>
-            <a:r>
-              <a:rPr lang="en-US" sz="1200" b="1" dirty="0">
-                <a:latin typeface="Tw Cen MT" panose="020B0602020104020603" pitchFamily="34" charset="0"/>
-              </a:rPr>
-              <a:t>User upload file</a:t>
-            </a:r>
-          </a:p>
-          <a:p>
-            <a:pPr marL="228600" indent="-228600">
-              <a:buFont typeface="Arial" panose="020B0604020202020204" pitchFamily="34" charset="0"/>
-              <a:buAutoNum type="arabicPeriod"/>
-            </a:pPr>
-            <a:r>
-              <a:rPr lang="en-US" sz="1200" b="1" dirty="0">
-                <a:latin typeface="Tw Cen MT" panose="020B0602020104020603" pitchFamily="34" charset="0"/>
-              </a:rPr>
-              <a:t>Server </a:t>
-            </a:r>
-            <a:r>
-              <a:rPr lang="en-US" sz="1200" b="1" dirty="0" err="1">
-                <a:latin typeface="Tw Cen MT" panose="020B0602020104020603" pitchFamily="34" charset="0"/>
-              </a:rPr>
-              <a:t>aplikasi</a:t>
-            </a:r>
-            <a:r>
-              <a:rPr lang="en-US" sz="1200" b="1" dirty="0">
-                <a:latin typeface="Tw Cen MT" panose="020B0602020104020603" pitchFamily="34" charset="0"/>
-              </a:rPr>
-              <a:t> </a:t>
-            </a:r>
-            <a:r>
-              <a:rPr lang="en-US" sz="1200" b="1" dirty="0" err="1">
-                <a:latin typeface="Tw Cen MT" panose="020B0602020104020603" pitchFamily="34" charset="0"/>
-              </a:rPr>
-              <a:t>enkrip</a:t>
-            </a:r>
-            <a:r>
-              <a:rPr lang="en-US" sz="1200" b="1" dirty="0">
-                <a:latin typeface="Tw Cen MT" panose="020B0602020104020603" pitchFamily="34" charset="0"/>
-              </a:rPr>
-              <a:t> file</a:t>
-            </a:r>
-          </a:p>
-          <a:p>
-            <a:pPr marL="228600" indent="-228600">
-              <a:buFont typeface="Arial" panose="020B0604020202020204" pitchFamily="34" charset="0"/>
-              <a:buAutoNum type="arabicPeriod"/>
-            </a:pPr>
-            <a:r>
-              <a:rPr lang="en-US" sz="1200" b="1" dirty="0">
-                <a:latin typeface="Tw Cen MT" panose="020B0602020104020603" pitchFamily="34" charset="0"/>
-              </a:rPr>
-              <a:t>File </a:t>
-            </a:r>
-            <a:r>
-              <a:rPr lang="en-US" sz="1200" b="1" dirty="0" err="1">
-                <a:latin typeface="Tw Cen MT" panose="020B0602020104020603" pitchFamily="34" charset="0"/>
-              </a:rPr>
-              <a:t>disimpan</a:t>
-            </a:r>
-            <a:r>
-              <a:rPr lang="en-US" sz="1200" b="1" dirty="0">
-                <a:latin typeface="Tw Cen MT" panose="020B0602020104020603" pitchFamily="34" charset="0"/>
-              </a:rPr>
-              <a:t> di server </a:t>
-            </a:r>
-            <a:r>
-              <a:rPr lang="en-US" sz="1200" b="1" dirty="0" err="1">
-                <a:latin typeface="Tw Cen MT" panose="020B0602020104020603" pitchFamily="34" charset="0"/>
-              </a:rPr>
-              <a:t>aplikasi</a:t>
-            </a:r>
-            <a:r>
-              <a:rPr lang="en-US" sz="1200" b="1" dirty="0">
-                <a:latin typeface="Tw Cen MT" panose="020B0602020104020603" pitchFamily="34" charset="0"/>
-              </a:rPr>
-              <a:t> dan server backup</a:t>
-            </a:r>
-          </a:p>
-          <a:p>
-            <a:pPr marL="228600" indent="-228600">
-              <a:buFont typeface="Arial" panose="020B0604020202020204" pitchFamily="34" charset="0"/>
-              <a:buAutoNum type="arabicPeriod"/>
-            </a:pPr>
-            <a:r>
-              <a:rPr lang="en-US" sz="1200" b="1" dirty="0">
-                <a:latin typeface="Tw Cen MT" panose="020B0602020104020603" pitchFamily="34" charset="0"/>
-              </a:rPr>
-              <a:t>Generate hash key</a:t>
-            </a:r>
-          </a:p>
-          <a:p>
-            <a:pPr marL="228600" indent="-228600">
-              <a:buFont typeface="Arial" panose="020B0604020202020204" pitchFamily="34" charset="0"/>
-              <a:buAutoNum type="arabicPeriod"/>
-            </a:pPr>
-            <a:r>
-              <a:rPr lang="en-US" sz="1200" b="1" dirty="0">
-                <a:latin typeface="Tw Cen MT" panose="020B0602020104020603" pitchFamily="34" charset="0"/>
-              </a:rPr>
-              <a:t>Save </a:t>
-            </a:r>
-            <a:r>
-              <a:rPr lang="en-US" sz="1200" b="1" dirty="0" err="1">
-                <a:latin typeface="Tw Cen MT" panose="020B0602020104020603" pitchFamily="34" charset="0"/>
-              </a:rPr>
-              <a:t>db</a:t>
-            </a:r>
             <a:endParaRPr lang="en-US" sz="1200" b="1" dirty="0">
               <a:latin typeface="Tw Cen MT" panose="020B0602020104020603" pitchFamily="34" charset="0"/>
             </a:endParaRPr>
@@ -16867,7 +14025,7 @@
           <a:p>
             <a:fld id="{DF128A8A-2D87-49AD-B620-1498E2ACC596}" type="datetimeFigureOut">
               <a:rPr lang="en-US" smtClean="0"/>
-              <a:t>7/27/2019</a:t>
+              <a:t>7/28/2019</a:t>
             </a:fld>
             <a:endParaRPr lang="en-US"/>
           </a:p>
@@ -17037,7 +14195,7 @@
           <a:p>
             <a:fld id="{DF128A8A-2D87-49AD-B620-1498E2ACC596}" type="datetimeFigureOut">
               <a:rPr lang="en-US" smtClean="0"/>
-              <a:t>7/27/2019</a:t>
+              <a:t>7/28/2019</a:t>
             </a:fld>
             <a:endParaRPr lang="en-US"/>
           </a:p>
@@ -17217,7 +14375,7 @@
           <a:p>
             <a:fld id="{DF128A8A-2D87-49AD-B620-1498E2ACC596}" type="datetimeFigureOut">
               <a:rPr lang="en-US" smtClean="0"/>
-              <a:t>7/27/2019</a:t>
+              <a:t>7/28/2019</a:t>
             </a:fld>
             <a:endParaRPr lang="en-US"/>
           </a:p>
@@ -17387,7 +14545,7 @@
           <a:p>
             <a:fld id="{DF128A8A-2D87-49AD-B620-1498E2ACC596}" type="datetimeFigureOut">
               <a:rPr lang="en-US" smtClean="0"/>
-              <a:t>7/27/2019</a:t>
+              <a:t>7/28/2019</a:t>
             </a:fld>
             <a:endParaRPr lang="en-US"/>
           </a:p>
@@ -17633,7 +14791,7 @@
           <a:p>
             <a:fld id="{DF128A8A-2D87-49AD-B620-1498E2ACC596}" type="datetimeFigureOut">
               <a:rPr lang="en-US" smtClean="0"/>
-              <a:t>7/27/2019</a:t>
+              <a:t>7/28/2019</a:t>
             </a:fld>
             <a:endParaRPr lang="en-US"/>
           </a:p>
@@ -17865,7 +15023,7 @@
           <a:p>
             <a:fld id="{DF128A8A-2D87-49AD-B620-1498E2ACC596}" type="datetimeFigureOut">
               <a:rPr lang="en-US" smtClean="0"/>
-              <a:t>7/27/2019</a:t>
+              <a:t>7/28/2019</a:t>
             </a:fld>
             <a:endParaRPr lang="en-US"/>
           </a:p>
@@ -18232,7 +15390,7 @@
           <a:p>
             <a:fld id="{DF128A8A-2D87-49AD-B620-1498E2ACC596}" type="datetimeFigureOut">
               <a:rPr lang="en-US" smtClean="0"/>
-              <a:t>7/27/2019</a:t>
+              <a:t>7/28/2019</a:t>
             </a:fld>
             <a:endParaRPr lang="en-US"/>
           </a:p>
@@ -18350,7 +15508,7 @@
           <a:p>
             <a:fld id="{DF128A8A-2D87-49AD-B620-1498E2ACC596}" type="datetimeFigureOut">
               <a:rPr lang="en-US" smtClean="0"/>
-              <a:t>7/27/2019</a:t>
+              <a:t>7/28/2019</a:t>
             </a:fld>
             <a:endParaRPr lang="en-US"/>
           </a:p>
@@ -18445,7 +15603,7 @@
           <a:p>
             <a:fld id="{DF128A8A-2D87-49AD-B620-1498E2ACC596}" type="datetimeFigureOut">
               <a:rPr lang="en-US" smtClean="0"/>
-              <a:t>7/27/2019</a:t>
+              <a:t>7/28/2019</a:t>
             </a:fld>
             <a:endParaRPr lang="en-US"/>
           </a:p>
@@ -18722,7 +15880,7 @@
           <a:p>
             <a:fld id="{DF128A8A-2D87-49AD-B620-1498E2ACC596}" type="datetimeFigureOut">
               <a:rPr lang="en-US" smtClean="0"/>
-              <a:t>7/27/2019</a:t>
+              <a:t>7/28/2019</a:t>
             </a:fld>
             <a:endParaRPr lang="en-US"/>
           </a:p>
@@ -18978,7 +16136,7 @@
           <a:p>
             <a:fld id="{DF128A8A-2D87-49AD-B620-1498E2ACC596}" type="datetimeFigureOut">
               <a:rPr lang="en-US" smtClean="0"/>
-              <a:t>7/27/2019</a:t>
+              <a:t>7/28/2019</a:t>
             </a:fld>
             <a:endParaRPr lang="en-US"/>
           </a:p>
@@ -19191,7 +16349,7 @@
           <a:p>
             <a:fld id="{DF128A8A-2D87-49AD-B620-1498E2ACC596}" type="datetimeFigureOut">
               <a:rPr lang="en-US" smtClean="0"/>
-              <a:t>7/27/2019</a:t>
+              <a:t>7/28/2019</a:t>
             </a:fld>
             <a:endParaRPr lang="en-US"/>
           </a:p>
@@ -36084,7 +33242,7 @@
         <p:spPr>
           <a:xfrm>
             <a:off x="978441" y="2070164"/>
-            <a:ext cx="8198217" cy="2050164"/>
+            <a:ext cx="8198217" cy="2501836"/>
           </a:xfrm>
           <a:prstGeom prst="rect">
             <a:avLst/>
@@ -36274,17 +33432,20 @@
               <a:rPr lang="en-US" sz="2400" dirty="0">
                 <a:latin typeface="Tw Cen MT" panose="020B0602020104020603" pitchFamily="34" charset="0"/>
               </a:rPr>
-              <a:t> Cloud pada era </a:t>
+              <a:t> </a:t>
             </a:r>
             <a:r>
               <a:rPr lang="en-US" sz="2400" dirty="0" err="1">
                 <a:latin typeface="Tw Cen MT" panose="020B0602020104020603" pitchFamily="34" charset="0"/>
               </a:rPr>
-              <a:t>ini</a:t>
+              <a:t>Teknologi</a:t>
             </a:r>
-            <a:endParaRPr lang="en-US" sz="2400" dirty="0">
-              <a:latin typeface="Tw Cen MT" panose="020B0602020104020603" pitchFamily="34" charset="0"/>
-            </a:endParaRPr>
+            <a:r>
+              <a:rPr lang="en-US" sz="2400" dirty="0">
+                <a:latin typeface="Tw Cen MT" panose="020B0602020104020603" pitchFamily="34" charset="0"/>
+              </a:rPr>
+              <a:t> Cloud Computing</a:t>
+            </a:r>
           </a:p>
           <a:p>
             <a:pPr algn="just">
@@ -36308,7 +33469,7 @@
               <a:rPr lang="en-US" sz="2400" dirty="0" err="1">
                 <a:latin typeface="Tw Cen MT" panose="020B0602020104020603" pitchFamily="34" charset="0"/>
               </a:rPr>
-              <a:t>Penyedia</a:t>
+              <a:t>penyedia</a:t>
             </a:r>
             <a:r>
               <a:rPr lang="en-US" sz="2400" dirty="0">
@@ -36320,19 +33481,19 @@
               <a:rPr lang="en-US" sz="2400" dirty="0" err="1">
                 <a:latin typeface="Tw Cen MT" panose="020B0602020104020603" pitchFamily="34" charset="0"/>
               </a:rPr>
-              <a:t>Layanan</a:t>
+              <a:t>layanan</a:t>
             </a:r>
             <a:r>
               <a:rPr lang="en-US" sz="2400" dirty="0">
                 <a:latin typeface="Tw Cen MT" panose="020B0602020104020603" pitchFamily="34" charset="0"/>
               </a:rPr>
-              <a:t> Cloud yang </a:t>
+              <a:t> cloud yang </a:t>
             </a:r>
             <a:r>
               <a:rPr lang="en-US" sz="2400" dirty="0" err="1">
                 <a:latin typeface="Tw Cen MT" panose="020B0602020104020603" pitchFamily="34" charset="0"/>
               </a:rPr>
-              <a:t>melakukan</a:t>
+              <a:t>menyalahgunakan</a:t>
             </a:r>
             <a:r>
               <a:rPr lang="en-US" sz="2400" dirty="0">
@@ -36344,7 +33505,7 @@
               <a:rPr lang="en-US" sz="2400" dirty="0" err="1">
                 <a:latin typeface="Tw Cen MT" panose="020B0602020104020603" pitchFamily="34" charset="0"/>
               </a:rPr>
-              <a:t>kecurangan</a:t>
+              <a:t>otoritasnya</a:t>
             </a:r>
             <a:r>
               <a:rPr lang="en-US" sz="2400" dirty="0">
@@ -36356,7 +33517,19 @@
               <a:rPr lang="en-US" sz="2400" dirty="0" err="1">
                 <a:latin typeface="Tw Cen MT" panose="020B0602020104020603" pitchFamily="34" charset="0"/>
               </a:rPr>
-              <a:t>terhadap</a:t>
+              <a:t>untuk</a:t>
+            </a:r>
+            <a:r>
+              <a:rPr lang="en-US" sz="2400" dirty="0">
+                <a:latin typeface="Tw Cen MT" panose="020B0602020104020603" pitchFamily="34" charset="0"/>
+              </a:rPr>
+              <a:t> </a:t>
+            </a:r>
+            <a:r>
+              <a:rPr lang="en-US" sz="2400" dirty="0" err="1">
+                <a:latin typeface="Tw Cen MT" panose="020B0602020104020603" pitchFamily="34" charset="0"/>
+              </a:rPr>
+              <a:t>mengakses</a:t>
             </a:r>
             <a:r>
               <a:rPr lang="en-US" sz="2400" dirty="0">
@@ -36368,7 +33541,158 @@
               <a:rPr lang="en-US" sz="2400" dirty="0" err="1">
                 <a:latin typeface="Tw Cen MT" panose="020B0602020104020603" pitchFamily="34" charset="0"/>
               </a:rPr>
-              <a:t>penggunanya</a:t>
+              <a:t>pengguna</a:t>
+            </a:r>
+            <a:r>
+              <a:rPr lang="en-US" sz="2400" dirty="0">
+                <a:latin typeface="Tw Cen MT" panose="020B0602020104020603" pitchFamily="34" charset="0"/>
+              </a:rPr>
+              <a:t> </a:t>
+            </a:r>
+            <a:r>
+              <a:rPr lang="en-US" sz="2400" dirty="0" err="1">
+                <a:latin typeface="Tw Cen MT" panose="020B0602020104020603" pitchFamily="34" charset="0"/>
+              </a:rPr>
+              <a:t>secara</a:t>
+            </a:r>
+            <a:r>
+              <a:rPr lang="en-US" sz="2400" dirty="0">
+                <a:latin typeface="Tw Cen MT" panose="020B0602020104020603" pitchFamily="34" charset="0"/>
+              </a:rPr>
+              <a:t> </a:t>
+            </a:r>
+            <a:r>
+              <a:rPr lang="en-US" sz="2400" dirty="0" err="1">
+                <a:latin typeface="Tw Cen MT" panose="020B0602020104020603" pitchFamily="34" charset="0"/>
+              </a:rPr>
+              <a:t>tidak</a:t>
+            </a:r>
+            <a:r>
+              <a:rPr lang="en-US" sz="2400" dirty="0">
+                <a:latin typeface="Tw Cen MT" panose="020B0602020104020603" pitchFamily="34" charset="0"/>
+              </a:rPr>
+              <a:t> legal</a:t>
+            </a:r>
+          </a:p>
+          <a:p>
+            <a:pPr algn="just">
+              <a:lnSpc>
+                <a:spcPct val="110000"/>
+              </a:lnSpc>
+            </a:pPr>
+            <a:r>
+              <a:rPr lang="en-US" sz="2400" dirty="0" err="1">
+                <a:latin typeface="Tw Cen MT" panose="020B0602020104020603" pitchFamily="34" charset="0"/>
+              </a:rPr>
+              <a:t>Diperlukan</a:t>
+            </a:r>
+            <a:r>
+              <a:rPr lang="en-US" sz="2400" dirty="0">
+                <a:latin typeface="Tw Cen MT" panose="020B0602020104020603" pitchFamily="34" charset="0"/>
+              </a:rPr>
+              <a:t> </a:t>
+            </a:r>
+            <a:r>
+              <a:rPr lang="en-US" sz="2400" dirty="0" err="1">
+                <a:latin typeface="Tw Cen MT" panose="020B0602020104020603" pitchFamily="34" charset="0"/>
+              </a:rPr>
+              <a:t>verifikasi</a:t>
+            </a:r>
+            <a:r>
+              <a:rPr lang="en-US" sz="2400" dirty="0">
+                <a:latin typeface="Tw Cen MT" panose="020B0602020104020603" pitchFamily="34" charset="0"/>
+              </a:rPr>
+              <a:t> </a:t>
+            </a:r>
+            <a:r>
+              <a:rPr lang="en-US" sz="2400" dirty="0" err="1">
+                <a:latin typeface="Tw Cen MT" panose="020B0602020104020603" pitchFamily="34" charset="0"/>
+              </a:rPr>
+              <a:t>integritas</a:t>
+            </a:r>
+            <a:r>
+              <a:rPr lang="en-US" sz="2400" dirty="0">
+                <a:latin typeface="Tw Cen MT" panose="020B0602020104020603" pitchFamily="34" charset="0"/>
+              </a:rPr>
+              <a:t> file </a:t>
+            </a:r>
+            <a:r>
+              <a:rPr lang="en-US" sz="2400" dirty="0" err="1">
+                <a:latin typeface="Tw Cen MT" panose="020B0602020104020603" pitchFamily="34" charset="0"/>
+              </a:rPr>
+              <a:t>untuk</a:t>
+            </a:r>
+            <a:r>
+              <a:rPr lang="en-US" sz="2400" dirty="0">
+                <a:latin typeface="Tw Cen MT" panose="020B0602020104020603" pitchFamily="34" charset="0"/>
+              </a:rPr>
+              <a:t> </a:t>
+            </a:r>
+            <a:r>
+              <a:rPr lang="en-US" sz="2400" dirty="0" err="1">
+                <a:latin typeface="Tw Cen MT" panose="020B0602020104020603" pitchFamily="34" charset="0"/>
+              </a:rPr>
+              <a:t>memastikan</a:t>
+            </a:r>
+            <a:r>
+              <a:rPr lang="en-US" sz="2400" dirty="0">
+                <a:latin typeface="Tw Cen MT" panose="020B0602020104020603" pitchFamily="34" charset="0"/>
+              </a:rPr>
+              <a:t> data yang </a:t>
+            </a:r>
+            <a:r>
+              <a:rPr lang="en-US" sz="2400" dirty="0" err="1">
+                <a:latin typeface="Tw Cen MT" panose="020B0602020104020603" pitchFamily="34" charset="0"/>
+              </a:rPr>
+              <a:t>tersimpan</a:t>
+            </a:r>
+            <a:r>
+              <a:rPr lang="en-US" sz="2400" dirty="0">
+                <a:latin typeface="Tw Cen MT" panose="020B0602020104020603" pitchFamily="34" charset="0"/>
+              </a:rPr>
+              <a:t> </a:t>
+            </a:r>
+            <a:r>
+              <a:rPr lang="en-US" sz="2400" dirty="0" err="1">
+                <a:latin typeface="Tw Cen MT" panose="020B0602020104020603" pitchFamily="34" charset="0"/>
+              </a:rPr>
+              <a:t>tidak</a:t>
+            </a:r>
+            <a:r>
+              <a:rPr lang="en-US" sz="2400" dirty="0">
+                <a:latin typeface="Tw Cen MT" panose="020B0602020104020603" pitchFamily="34" charset="0"/>
+              </a:rPr>
+              <a:t> </a:t>
+            </a:r>
+            <a:r>
+              <a:rPr lang="en-US" sz="2400" dirty="0" err="1">
+                <a:latin typeface="Tw Cen MT" panose="020B0602020104020603" pitchFamily="34" charset="0"/>
+              </a:rPr>
+              <a:t>hilang</a:t>
+            </a:r>
+            <a:r>
+              <a:rPr lang="en-US" sz="2400" dirty="0">
+                <a:latin typeface="Tw Cen MT" panose="020B0602020104020603" pitchFamily="34" charset="0"/>
+              </a:rPr>
+              <a:t> </a:t>
+            </a:r>
+            <a:r>
+              <a:rPr lang="en-US" sz="2400" dirty="0" err="1">
+                <a:latin typeface="Tw Cen MT" panose="020B0602020104020603" pitchFamily="34" charset="0"/>
+              </a:rPr>
+              <a:t>ataupun</a:t>
+            </a:r>
+            <a:r>
+              <a:rPr lang="en-US" sz="2400" dirty="0">
+                <a:latin typeface="Tw Cen MT" panose="020B0602020104020603" pitchFamily="34" charset="0"/>
+              </a:rPr>
+              <a:t> </a:t>
+            </a:r>
+            <a:r>
+              <a:rPr lang="en-US" sz="2400" dirty="0" err="1">
+                <a:latin typeface="Tw Cen MT" panose="020B0602020104020603" pitchFamily="34" charset="0"/>
+              </a:rPr>
+              <a:t>termodifikasi</a:t>
             </a:r>
             <a:endParaRPr lang="en-US" sz="2400" dirty="0">
               <a:latin typeface="Tw Cen MT" panose="020B0602020104020603" pitchFamily="34" charset="0"/>
@@ -36769,7 +34093,7 @@
           <p:nvPr>
             <p:extLst>
               <p:ext uri="{D42A27DB-BD31-4B8C-83A1-F6EECF244321}">
-                <p14:modId xmlns:p14="http://schemas.microsoft.com/office/powerpoint/2010/main" val="4148660293"/>
+                <p14:modId xmlns:p14="http://schemas.microsoft.com/office/powerpoint/2010/main" val="2987063746"/>
               </p:ext>
             </p:extLst>
           </p:nvPr>
